--- a/10 - Securing/slides.pptx
+++ b/10 - Securing/slides.pptx
@@ -2,44 +2,45 @@
 <file path=ppt/presentation.xml><?xml version="1.0" encoding="utf-8"?>
 <p:presentation xmlns:a="http://schemas.openxmlformats.org/drawingml/2006/main" xmlns:r="http://schemas.openxmlformats.org/officeDocument/2006/relationships" xmlns:p="http://schemas.openxmlformats.org/presentationml/2006/main" strictFirstAndLastChars="0" embedTrueTypeFonts="1" saveSubsetFonts="1" autoCompressPictures="0">
   <p:sldMasterIdLst>
-    <p:sldMasterId id="2147483659" r:id="rId1"/>
+    <p:sldMasterId id="2147483659" r:id="rId4"/>
   </p:sldMasterIdLst>
   <p:notesMasterIdLst>
-    <p:notesMasterId r:id="rId17"/>
+    <p:notesMasterId r:id="rId21"/>
   </p:notesMasterIdLst>
   <p:sldIdLst>
-    <p:sldId id="256" r:id="rId2"/>
-    <p:sldId id="257" r:id="rId3"/>
-    <p:sldId id="258" r:id="rId4"/>
-    <p:sldId id="259" r:id="rId5"/>
-    <p:sldId id="260" r:id="rId6"/>
-    <p:sldId id="261" r:id="rId7"/>
-    <p:sldId id="262" r:id="rId8"/>
-    <p:sldId id="263" r:id="rId9"/>
-    <p:sldId id="264" r:id="rId10"/>
-    <p:sldId id="265" r:id="rId11"/>
-    <p:sldId id="266" r:id="rId12"/>
-    <p:sldId id="267" r:id="rId13"/>
-    <p:sldId id="268" r:id="rId14"/>
-    <p:sldId id="269" r:id="rId15"/>
-    <p:sldId id="270" r:id="rId16"/>
+    <p:sldId id="256" r:id="rId5"/>
+    <p:sldId id="257" r:id="rId6"/>
+    <p:sldId id="258" r:id="rId7"/>
+    <p:sldId id="259" r:id="rId8"/>
+    <p:sldId id="260" r:id="rId9"/>
+    <p:sldId id="261" r:id="rId10"/>
+    <p:sldId id="271" r:id="rId11"/>
+    <p:sldId id="262" r:id="rId12"/>
+    <p:sldId id="263" r:id="rId13"/>
+    <p:sldId id="264" r:id="rId14"/>
+    <p:sldId id="265" r:id="rId15"/>
+    <p:sldId id="266" r:id="rId16"/>
+    <p:sldId id="267" r:id="rId17"/>
+    <p:sldId id="268" r:id="rId18"/>
+    <p:sldId id="269" r:id="rId19"/>
+    <p:sldId id="270" r:id="rId20"/>
   </p:sldIdLst>
   <p:sldSz cx="9144000" cy="6858000" type="screen4x3"/>
   <p:notesSz cx="6858000" cy="9144000"/>
   <p:embeddedFontLst>
     <p:embeddedFont>
       <p:font typeface="Economica" panose="02000506040000020004" pitchFamily="2" charset="77"/>
-      <p:regular r:id="rId18"/>
-      <p:bold r:id="rId19"/>
-      <p:italic r:id="rId20"/>
-      <p:boldItalic r:id="rId21"/>
-    </p:embeddedFont>
-    <p:embeddedFont>
-      <p:font typeface="Open Sans" panose="020B0606030504020204" pitchFamily="34" charset="0"/>
       <p:regular r:id="rId22"/>
       <p:bold r:id="rId23"/>
       <p:italic r:id="rId24"/>
       <p:boldItalic r:id="rId25"/>
+    </p:embeddedFont>
+    <p:embeddedFont>
+      <p:font typeface="Open Sans" panose="020B0606030504020204" pitchFamily="34" charset="0"/>
+      <p:regular r:id="rId26"/>
+      <p:bold r:id="rId27"/>
+      <p:italic r:id="rId28"/>
+      <p:boldItalic r:id="rId29"/>
     </p:embeddedFont>
   </p:embeddedFontLst>
   <p:defaultTextStyle>
@@ -279,6 +280,14 @@
 </p:presentation>
 </file>
 
+<file path=ppt/revisionInfo.xml><?xml version="1.0" encoding="utf-8"?>
+<p1510:revInfo xmlns:a="http://schemas.openxmlformats.org/drawingml/2006/main" xmlns:r="http://schemas.openxmlformats.org/officeDocument/2006/relationships" xmlns:p1510="http://schemas.microsoft.com/office/powerpoint/2015/10/main">
+  <p1510:revLst>
+    <p1510:client id="{ADBA616A-7864-2047-AA8D-0A0E79A70231}" v="7" dt="2025-05-23T07:48:31.800"/>
+  </p1510:revLst>
+</p1510:revInfo>
+</file>
+
 <file path=ppt/changesInfos/changesInfo1.xml><?xml version="1.0" encoding="utf-8"?>
 <pc:chgInfo xmlns:a="http://schemas.openxmlformats.org/drawingml/2006/main" xmlns:r="http://schemas.openxmlformats.org/officeDocument/2006/relationships" xmlns:ac="http://schemas.microsoft.com/office/drawing/2013/main/command" xmlns:pc="http://schemas.microsoft.com/office/powerpoint/2013/main/command">
   <pc:docChgLst>
@@ -294,14 +303,6 @@
           <pc:docMk/>
           <pc:sldMk cId="0" sldId="268"/>
         </pc:sldMkLst>
-        <pc:spChg chg="mod">
-          <ac:chgData name="Riccardo Berta" userId="c8694f89-bba4-4576-b0a8-456619ca5a8c" providerId="ADAL" clId="{5A6EC9EF-1F2A-8E45-BA21-E02252CCCF79}" dt="2022-05-18T08:37:15.957" v="0" actId="20577"/>
-          <ac:spMkLst>
-            <pc:docMk/>
-            <pc:sldMk cId="0" sldId="268"/>
-            <ac:spMk id="154" creationId="{00000000-0000-0000-0000-000000000000}"/>
-          </ac:spMkLst>
-        </pc:spChg>
       </pc:sldChg>
     </pc:docChg>
   </pc:docChgLst>
@@ -318,14 +319,6 @@
           <pc:docMk/>
           <pc:sldMk cId="0" sldId="257"/>
         </pc:sldMkLst>
-        <pc:spChg chg="mod">
-          <ac:chgData name="Riccardo Berta" userId="c8694f89-bba4-4576-b0a8-456619ca5a8c" providerId="ADAL" clId="{A5C46C25-53B4-094C-B435-086F3C5DB2D2}" dt="2023-05-17T07:29:14.215" v="82" actId="1076"/>
-          <ac:spMkLst>
-            <pc:docMk/>
-            <pc:sldMk cId="0" sldId="257"/>
-            <ac:spMk id="85" creationId="{00000000-0000-0000-0000-000000000000}"/>
-          </ac:spMkLst>
-        </pc:spChg>
       </pc:sldChg>
       <pc:sldChg chg="delSp modSp mod">
         <pc:chgData name="Riccardo Berta" userId="c8694f89-bba4-4576-b0a8-456619ca5a8c" providerId="ADAL" clId="{A5C46C25-53B4-094C-B435-086F3C5DB2D2}" dt="2023-05-17T07:30:23.446" v="94" actId="1076"/>
@@ -333,22 +326,6 @@
           <pc:docMk/>
           <pc:sldMk cId="0" sldId="258"/>
         </pc:sldMkLst>
-        <pc:spChg chg="mod">
-          <ac:chgData name="Riccardo Berta" userId="c8694f89-bba4-4576-b0a8-456619ca5a8c" providerId="ADAL" clId="{A5C46C25-53B4-094C-B435-086F3C5DB2D2}" dt="2023-05-17T07:30:23.446" v="94" actId="1076"/>
-          <ac:spMkLst>
-            <pc:docMk/>
-            <pc:sldMk cId="0" sldId="258"/>
-            <ac:spMk id="91" creationId="{00000000-0000-0000-0000-000000000000}"/>
-          </ac:spMkLst>
-        </pc:spChg>
-        <pc:picChg chg="del">
-          <ac:chgData name="Riccardo Berta" userId="c8694f89-bba4-4576-b0a8-456619ca5a8c" providerId="ADAL" clId="{A5C46C25-53B4-094C-B435-086F3C5DB2D2}" dt="2023-05-17T07:29:42.423" v="85" actId="478"/>
-          <ac:picMkLst>
-            <pc:docMk/>
-            <pc:sldMk cId="0" sldId="258"/>
-            <ac:picMk id="92" creationId="{00000000-0000-0000-0000-000000000000}"/>
-          </ac:picMkLst>
-        </pc:picChg>
       </pc:sldChg>
       <pc:sldChg chg="modSp mod">
         <pc:chgData name="Riccardo Berta" userId="c8694f89-bba4-4576-b0a8-456619ca5a8c" providerId="ADAL" clId="{A5C46C25-53B4-094C-B435-086F3C5DB2D2}" dt="2023-05-17T07:31:35.462" v="125" actId="1076"/>
@@ -356,16 +333,204 @@
           <pc:docMk/>
           <pc:sldMk cId="0" sldId="260"/>
         </pc:sldMkLst>
+      </pc:sldChg>
+      <pc:sldChg chg="modSp mod">
+        <pc:chgData name="Riccardo Berta" userId="c8694f89-bba4-4576-b0a8-456619ca5a8c" providerId="ADAL" clId="{A5C46C25-53B4-094C-B435-086F3C5DB2D2}" dt="2023-05-17T07:34:08.011" v="163" actId="20577"/>
+        <pc:sldMkLst>
+          <pc:docMk/>
+          <pc:sldMk cId="0" sldId="261"/>
+        </pc:sldMkLst>
+      </pc:sldChg>
+      <pc:sldChg chg="modSp mod">
+        <pc:chgData name="Riccardo Berta" userId="c8694f89-bba4-4576-b0a8-456619ca5a8c" providerId="ADAL" clId="{A5C46C25-53B4-094C-B435-086F3C5DB2D2}" dt="2023-05-17T07:36:00.237" v="208" actId="1035"/>
+        <pc:sldMkLst>
+          <pc:docMk/>
+          <pc:sldMk cId="0" sldId="262"/>
+        </pc:sldMkLst>
+      </pc:sldChg>
+      <pc:sldChg chg="modSp mod">
+        <pc:chgData name="Riccardo Berta" userId="c8694f89-bba4-4576-b0a8-456619ca5a8c" providerId="ADAL" clId="{A5C46C25-53B4-094C-B435-086F3C5DB2D2}" dt="2023-05-17T07:37:07.909" v="246" actId="404"/>
+        <pc:sldMkLst>
+          <pc:docMk/>
+          <pc:sldMk cId="0" sldId="263"/>
+        </pc:sldMkLst>
+      </pc:sldChg>
+      <pc:sldChg chg="modSp mod">
+        <pc:chgData name="Riccardo Berta" userId="c8694f89-bba4-4576-b0a8-456619ca5a8c" providerId="ADAL" clId="{A5C46C25-53B4-094C-B435-086F3C5DB2D2}" dt="2023-05-17T07:39:12.412" v="290" actId="14100"/>
+        <pc:sldMkLst>
+          <pc:docMk/>
+          <pc:sldMk cId="0" sldId="264"/>
+        </pc:sldMkLst>
+      </pc:sldChg>
+      <pc:sldChg chg="modSp mod">
+        <pc:chgData name="Riccardo Berta" userId="c8694f89-bba4-4576-b0a8-456619ca5a8c" providerId="ADAL" clId="{A5C46C25-53B4-094C-B435-086F3C5DB2D2}" dt="2023-05-17T07:48:44.994" v="327" actId="1036"/>
+        <pc:sldMkLst>
+          <pc:docMk/>
+          <pc:sldMk cId="0" sldId="265"/>
+        </pc:sldMkLst>
+      </pc:sldChg>
+      <pc:sldChg chg="modSp mod">
+        <pc:chgData name="Riccardo Berta" userId="c8694f89-bba4-4576-b0a8-456619ca5a8c" providerId="ADAL" clId="{A5C46C25-53B4-094C-B435-086F3C5DB2D2}" dt="2023-05-17T07:49:42.649" v="338" actId="404"/>
+        <pc:sldMkLst>
+          <pc:docMk/>
+          <pc:sldMk cId="0" sldId="266"/>
+        </pc:sldMkLst>
+      </pc:sldChg>
+      <pc:sldChg chg="modSp mod">
+        <pc:chgData name="Riccardo Berta" userId="c8694f89-bba4-4576-b0a8-456619ca5a8c" providerId="ADAL" clId="{A5C46C25-53B4-094C-B435-086F3C5DB2D2}" dt="2023-05-17T07:51:04.410" v="342" actId="1076"/>
+        <pc:sldMkLst>
+          <pc:docMk/>
+          <pc:sldMk cId="0" sldId="267"/>
+        </pc:sldMkLst>
+      </pc:sldChg>
+      <pc:sldChg chg="modSp mod">
+        <pc:chgData name="Riccardo Berta" userId="c8694f89-bba4-4576-b0a8-456619ca5a8c" providerId="ADAL" clId="{A5C46C25-53B4-094C-B435-086F3C5DB2D2}" dt="2023-05-17T07:52:21.788" v="367" actId="14100"/>
+        <pc:sldMkLst>
+          <pc:docMk/>
+          <pc:sldMk cId="0" sldId="268"/>
+        </pc:sldMkLst>
+      </pc:sldChg>
+      <pc:sldChg chg="modSp mod">
+        <pc:chgData name="Riccardo Berta" userId="c8694f89-bba4-4576-b0a8-456619ca5a8c" providerId="ADAL" clId="{A5C46C25-53B4-094C-B435-086F3C5DB2D2}" dt="2023-05-17T07:52:32" v="368" actId="1076"/>
+        <pc:sldMkLst>
+          <pc:docMk/>
+          <pc:sldMk cId="0" sldId="269"/>
+        </pc:sldMkLst>
+      </pc:sldChg>
+      <pc:sldChg chg="modSp mod">
+        <pc:chgData name="Riccardo Berta" userId="c8694f89-bba4-4576-b0a8-456619ca5a8c" providerId="ADAL" clId="{A5C46C25-53B4-094C-B435-086F3C5DB2D2}" dt="2023-05-17T07:54:19.879" v="376" actId="20577"/>
+        <pc:sldMkLst>
+          <pc:docMk/>
+          <pc:sldMk cId="0" sldId="270"/>
+        </pc:sldMkLst>
+      </pc:sldChg>
+    </pc:docChg>
+  </pc:docChgLst>
+  <pc:docChgLst>
+    <pc:chgData name="Riccardo Berta" userId="c8694f89-bba4-4576-b0a8-456619ca5a8c" providerId="ADAL" clId="{ADBA616A-7864-2047-AA8D-0A0E79A70231}"/>
+    <pc:docChg chg="undo custSel addSld delSld modSld">
+      <pc:chgData name="Riccardo Berta" userId="c8694f89-bba4-4576-b0a8-456619ca5a8c" providerId="ADAL" clId="{ADBA616A-7864-2047-AA8D-0A0E79A70231}" dt="2025-05-23T11:37:12.113" v="79"/>
+      <pc:docMkLst>
+        <pc:docMk/>
+      </pc:docMkLst>
+      <pc:sldChg chg="addSp delSp modSp mod">
+        <pc:chgData name="Riccardo Berta" userId="c8694f89-bba4-4576-b0a8-456619ca5a8c" providerId="ADAL" clId="{ADBA616A-7864-2047-AA8D-0A0E79A70231}" dt="2025-05-22T18:50:38.109" v="28" actId="1037"/>
+        <pc:sldMkLst>
+          <pc:docMk/>
+          <pc:sldMk cId="0" sldId="256"/>
+        </pc:sldMkLst>
         <pc:spChg chg="mod">
-          <ac:chgData name="Riccardo Berta" userId="c8694f89-bba4-4576-b0a8-456619ca5a8c" providerId="ADAL" clId="{A5C46C25-53B4-094C-B435-086F3C5DB2D2}" dt="2023-05-17T07:31:21.376" v="124" actId="20577"/>
+          <ac:chgData name="Riccardo Berta" userId="c8694f89-bba4-4576-b0a8-456619ca5a8c" providerId="ADAL" clId="{ADBA616A-7864-2047-AA8D-0A0E79A70231}" dt="2025-05-22T18:27:48.893" v="7" actId="20577"/>
           <ac:spMkLst>
             <pc:docMk/>
-            <pc:sldMk cId="0" sldId="260"/>
-            <ac:spMk id="104" creationId="{00000000-0000-0000-0000-000000000000}"/>
+            <pc:sldMk cId="0" sldId="256"/>
+            <ac:spMk id="62" creationId="{00000000-0000-0000-0000-000000000000}"/>
           </ac:spMkLst>
         </pc:spChg>
-        <pc:picChg chg="mod">
-          <ac:chgData name="Riccardo Berta" userId="c8694f89-bba4-4576-b0a8-456619ca5a8c" providerId="ADAL" clId="{A5C46C25-53B4-094C-B435-086F3C5DB2D2}" dt="2023-05-17T07:31:35.462" v="125" actId="1076"/>
+        <pc:spChg chg="mod">
+          <ac:chgData name="Riccardo Berta" userId="c8694f89-bba4-4576-b0a8-456619ca5a8c" providerId="ADAL" clId="{ADBA616A-7864-2047-AA8D-0A0E79A70231}" dt="2025-05-22T18:50:33.687" v="17" actId="14100"/>
+          <ac:spMkLst>
+            <pc:docMk/>
+            <pc:sldMk cId="0" sldId="256"/>
+            <ac:spMk id="79" creationId="{00000000-0000-0000-0000-000000000000}"/>
+          </ac:spMkLst>
+        </pc:spChg>
+        <pc:grpChg chg="del">
+          <ac:chgData name="Riccardo Berta" userId="c8694f89-bba4-4576-b0a8-456619ca5a8c" providerId="ADAL" clId="{ADBA616A-7864-2047-AA8D-0A0E79A70231}" dt="2025-05-22T18:50:04.868" v="10" actId="478"/>
+          <ac:grpSpMkLst>
+            <pc:docMk/>
+            <pc:sldMk cId="0" sldId="256"/>
+            <ac:grpSpMk id="64" creationId="{00000000-0000-0000-0000-000000000000}"/>
+          </ac:grpSpMkLst>
+        </pc:grpChg>
+        <pc:picChg chg="add mod">
+          <ac:chgData name="Riccardo Berta" userId="c8694f89-bba4-4576-b0a8-456619ca5a8c" providerId="ADAL" clId="{ADBA616A-7864-2047-AA8D-0A0E79A70231}" dt="2025-05-22T18:50:38.109" v="28" actId="1037"/>
+          <ac:picMkLst>
+            <pc:docMk/>
+            <pc:sldMk cId="0" sldId="256"/>
+            <ac:picMk id="2" creationId="{017C4C0C-FEA7-55CC-0DE2-A06997183DEC}"/>
+          </ac:picMkLst>
+        </pc:picChg>
+        <pc:cxnChg chg="mod">
+          <ac:chgData name="Riccardo Berta" userId="c8694f89-bba4-4576-b0a8-456619ca5a8c" providerId="ADAL" clId="{ADBA616A-7864-2047-AA8D-0A0E79A70231}" dt="2025-05-22T18:50:04.868" v="10" actId="478"/>
+          <ac:cxnSpMkLst>
+            <pc:docMk/>
+            <pc:sldMk cId="0" sldId="256"/>
+            <ac:cxnSpMk id="67" creationId="{00000000-0000-0000-0000-000000000000}"/>
+          </ac:cxnSpMkLst>
+        </pc:cxnChg>
+        <pc:cxnChg chg="mod">
+          <ac:chgData name="Riccardo Berta" userId="c8694f89-bba4-4576-b0a8-456619ca5a8c" providerId="ADAL" clId="{ADBA616A-7864-2047-AA8D-0A0E79A70231}" dt="2025-05-22T18:50:04.868" v="10" actId="478"/>
+          <ac:cxnSpMkLst>
+            <pc:docMk/>
+            <pc:sldMk cId="0" sldId="256"/>
+            <ac:cxnSpMk id="70" creationId="{00000000-0000-0000-0000-000000000000}"/>
+          </ac:cxnSpMkLst>
+        </pc:cxnChg>
+        <pc:cxnChg chg="mod">
+          <ac:chgData name="Riccardo Berta" userId="c8694f89-bba4-4576-b0a8-456619ca5a8c" providerId="ADAL" clId="{ADBA616A-7864-2047-AA8D-0A0E79A70231}" dt="2025-05-22T18:50:04.868" v="10" actId="478"/>
+          <ac:cxnSpMkLst>
+            <pc:docMk/>
+            <pc:sldMk cId="0" sldId="256"/>
+            <ac:cxnSpMk id="75" creationId="{00000000-0000-0000-0000-000000000000}"/>
+          </ac:cxnSpMkLst>
+        </pc:cxnChg>
+        <pc:cxnChg chg="mod">
+          <ac:chgData name="Riccardo Berta" userId="c8694f89-bba4-4576-b0a8-456619ca5a8c" providerId="ADAL" clId="{ADBA616A-7864-2047-AA8D-0A0E79A70231}" dt="2025-05-22T18:50:04.868" v="10" actId="478"/>
+          <ac:cxnSpMkLst>
+            <pc:docMk/>
+            <pc:sldMk cId="0" sldId="256"/>
+            <ac:cxnSpMk id="76" creationId="{00000000-0000-0000-0000-000000000000}"/>
+          </ac:cxnSpMkLst>
+        </pc:cxnChg>
+      </pc:sldChg>
+      <pc:sldChg chg="addSp delSp modSp add del mod">
+        <pc:chgData name="Riccardo Berta" userId="c8694f89-bba4-4576-b0a8-456619ca5a8c" providerId="ADAL" clId="{ADBA616A-7864-2047-AA8D-0A0E79A70231}" dt="2025-05-22T19:04:33.654" v="46" actId="1036"/>
+        <pc:sldMkLst>
+          <pc:docMk/>
+          <pc:sldMk cId="0" sldId="259"/>
+        </pc:sldMkLst>
+        <pc:picChg chg="add del mod">
+          <ac:chgData name="Riccardo Berta" userId="c8694f89-bba4-4576-b0a8-456619ca5a8c" providerId="ADAL" clId="{ADBA616A-7864-2047-AA8D-0A0E79A70231}" dt="2025-05-22T19:04:23.784" v="36" actId="478"/>
+          <ac:picMkLst>
+            <pc:docMk/>
+            <pc:sldMk cId="0" sldId="259"/>
+            <ac:picMk id="2" creationId="{8588AEF2-60A4-9B01-5532-7779114761C8}"/>
+          </ac:picMkLst>
+        </pc:picChg>
+        <pc:picChg chg="add mod">
+          <ac:chgData name="Riccardo Berta" userId="c8694f89-bba4-4576-b0a8-456619ca5a8c" providerId="ADAL" clId="{ADBA616A-7864-2047-AA8D-0A0E79A70231}" dt="2025-05-22T19:04:33.654" v="46" actId="1036"/>
+          <ac:picMkLst>
+            <pc:docMk/>
+            <pc:sldMk cId="0" sldId="259"/>
+            <ac:picMk id="3" creationId="{23ABA54E-7CE0-B3D5-8910-0A1CDA6A2177}"/>
+          </ac:picMkLst>
+        </pc:picChg>
+        <pc:picChg chg="del">
+          <ac:chgData name="Riccardo Berta" userId="c8694f89-bba4-4576-b0a8-456619ca5a8c" providerId="ADAL" clId="{ADBA616A-7864-2047-AA8D-0A0E79A70231}" dt="2025-05-22T19:03:16.918" v="29" actId="478"/>
+          <ac:picMkLst>
+            <pc:docMk/>
+            <pc:sldMk cId="0" sldId="259"/>
+            <ac:picMk id="98" creationId="{00000000-0000-0000-0000-000000000000}"/>
+          </ac:picMkLst>
+        </pc:picChg>
+      </pc:sldChg>
+      <pc:sldChg chg="addSp delSp modSp mod">
+        <pc:chgData name="Riccardo Berta" userId="c8694f89-bba4-4576-b0a8-456619ca5a8c" providerId="ADAL" clId="{ADBA616A-7864-2047-AA8D-0A0E79A70231}" dt="2025-05-22T19:18:40.049" v="51" actId="1076"/>
+        <pc:sldMkLst>
+          <pc:docMk/>
+          <pc:sldMk cId="0" sldId="260"/>
+        </pc:sldMkLst>
+        <pc:picChg chg="add mod">
+          <ac:chgData name="Riccardo Berta" userId="c8694f89-bba4-4576-b0a8-456619ca5a8c" providerId="ADAL" clId="{ADBA616A-7864-2047-AA8D-0A0E79A70231}" dt="2025-05-22T19:18:40.049" v="51" actId="1076"/>
+          <ac:picMkLst>
+            <pc:docMk/>
+            <pc:sldMk cId="0" sldId="260"/>
+            <ac:picMk id="2" creationId="{BB0B9222-BA28-F03B-5609-BC0734759622}"/>
+          </ac:picMkLst>
+        </pc:picChg>
+        <pc:picChg chg="del">
+          <ac:chgData name="Riccardo Berta" userId="c8694f89-bba4-4576-b0a8-456619ca5a8c" providerId="ADAL" clId="{ADBA616A-7864-2047-AA8D-0A0E79A70231}" dt="2025-05-22T19:18:30.696" v="47" actId="478"/>
           <ac:picMkLst>
             <pc:docMk/>
             <pc:sldMk cId="0" sldId="260"/>
@@ -374,28 +539,28 @@
         </pc:picChg>
       </pc:sldChg>
       <pc:sldChg chg="modSp mod">
-        <pc:chgData name="Riccardo Berta" userId="c8694f89-bba4-4576-b0a8-456619ca5a8c" providerId="ADAL" clId="{A5C46C25-53B4-094C-B435-086F3C5DB2D2}" dt="2023-05-17T07:34:08.011" v="163" actId="20577"/>
+        <pc:chgData name="Riccardo Berta" userId="c8694f89-bba4-4576-b0a8-456619ca5a8c" providerId="ADAL" clId="{ADBA616A-7864-2047-AA8D-0A0E79A70231}" dt="2025-05-23T07:48:42.927" v="74" actId="20577"/>
         <pc:sldMkLst>
           <pc:docMk/>
           <pc:sldMk cId="0" sldId="261"/>
         </pc:sldMkLst>
         <pc:spChg chg="mod">
-          <ac:chgData name="Riccardo Berta" userId="c8694f89-bba4-4576-b0a8-456619ca5a8c" providerId="ADAL" clId="{A5C46C25-53B4-094C-B435-086F3C5DB2D2}" dt="2023-05-17T07:34:08.011" v="163" actId="20577"/>
+          <ac:chgData name="Riccardo Berta" userId="c8694f89-bba4-4576-b0a8-456619ca5a8c" providerId="ADAL" clId="{ADBA616A-7864-2047-AA8D-0A0E79A70231}" dt="2025-05-23T07:48:42.927" v="74" actId="20577"/>
           <ac:spMkLst>
             <pc:docMk/>
             <pc:sldMk cId="0" sldId="261"/>
-            <ac:spMk id="111" creationId="{00000000-0000-0000-0000-000000000000}"/>
+            <ac:spMk id="110" creationId="{00000000-0000-0000-0000-000000000000}"/>
           </ac:spMkLst>
         </pc:spChg>
       </pc:sldChg>
       <pc:sldChg chg="modSp mod">
-        <pc:chgData name="Riccardo Berta" userId="c8694f89-bba4-4576-b0a8-456619ca5a8c" providerId="ADAL" clId="{A5C46C25-53B4-094C-B435-086F3C5DB2D2}" dt="2023-05-17T07:36:00.237" v="208" actId="1035"/>
+        <pc:chgData name="Riccardo Berta" userId="c8694f89-bba4-4576-b0a8-456619ca5a8c" providerId="ADAL" clId="{ADBA616A-7864-2047-AA8D-0A0E79A70231}" dt="2025-05-22T19:18:53.852" v="52" actId="13926"/>
         <pc:sldMkLst>
           <pc:docMk/>
           <pc:sldMk cId="0" sldId="262"/>
         </pc:sldMkLst>
         <pc:spChg chg="mod">
-          <ac:chgData name="Riccardo Berta" userId="c8694f89-bba4-4576-b0a8-456619ca5a8c" providerId="ADAL" clId="{A5C46C25-53B4-094C-B435-086F3C5DB2D2}" dt="2023-05-17T07:36:00.237" v="208" actId="1035"/>
+          <ac:chgData name="Riccardo Berta" userId="c8694f89-bba4-4576-b0a8-456619ca5a8c" providerId="ADAL" clId="{ADBA616A-7864-2047-AA8D-0A0E79A70231}" dt="2025-05-22T19:18:53.852" v="52" actId="13926"/>
           <ac:spMkLst>
             <pc:docMk/>
             <pc:sldMk cId="0" sldId="262"/>
@@ -404,13 +569,13 @@
         </pc:spChg>
       </pc:sldChg>
       <pc:sldChg chg="modSp mod">
-        <pc:chgData name="Riccardo Berta" userId="c8694f89-bba4-4576-b0a8-456619ca5a8c" providerId="ADAL" clId="{A5C46C25-53B4-094C-B435-086F3C5DB2D2}" dt="2023-05-17T07:37:07.909" v="246" actId="404"/>
+        <pc:chgData name="Riccardo Berta" userId="c8694f89-bba4-4576-b0a8-456619ca5a8c" providerId="ADAL" clId="{ADBA616A-7864-2047-AA8D-0A0E79A70231}" dt="2025-05-23T11:37:12.113" v="79"/>
         <pc:sldMkLst>
           <pc:docMk/>
           <pc:sldMk cId="0" sldId="263"/>
         </pc:sldMkLst>
         <pc:spChg chg="mod">
-          <ac:chgData name="Riccardo Berta" userId="c8694f89-bba4-4576-b0a8-456619ca5a8c" providerId="ADAL" clId="{A5C46C25-53B4-094C-B435-086F3C5DB2D2}" dt="2023-05-17T07:37:07.909" v="246" actId="404"/>
+          <ac:chgData name="Riccardo Berta" userId="c8694f89-bba4-4576-b0a8-456619ca5a8c" providerId="ADAL" clId="{ADBA616A-7864-2047-AA8D-0A0E79A70231}" dt="2025-05-23T11:37:12.113" v="79"/>
           <ac:spMkLst>
             <pc:docMk/>
             <pc:sldMk cId="0" sldId="263"/>
@@ -418,59 +583,22 @@
           </ac:spMkLst>
         </pc:spChg>
       </pc:sldChg>
-      <pc:sldChg chg="modSp mod">
-        <pc:chgData name="Riccardo Berta" userId="c8694f89-bba4-4576-b0a8-456619ca5a8c" providerId="ADAL" clId="{A5C46C25-53B4-094C-B435-086F3C5DB2D2}" dt="2023-05-17T07:39:12.412" v="290" actId="14100"/>
-        <pc:sldMkLst>
-          <pc:docMk/>
-          <pc:sldMk cId="0" sldId="264"/>
-        </pc:sldMkLst>
-        <pc:spChg chg="mod">
-          <ac:chgData name="Riccardo Berta" userId="c8694f89-bba4-4576-b0a8-456619ca5a8c" providerId="ADAL" clId="{A5C46C25-53B4-094C-B435-086F3C5DB2D2}" dt="2023-05-17T07:39:12.412" v="290" actId="14100"/>
-          <ac:spMkLst>
-            <pc:docMk/>
-            <pc:sldMk cId="0" sldId="264"/>
-            <ac:spMk id="129" creationId="{00000000-0000-0000-0000-000000000000}"/>
-          </ac:spMkLst>
-        </pc:spChg>
-      </pc:sldChg>
-      <pc:sldChg chg="modSp mod">
-        <pc:chgData name="Riccardo Berta" userId="c8694f89-bba4-4576-b0a8-456619ca5a8c" providerId="ADAL" clId="{A5C46C25-53B4-094C-B435-086F3C5DB2D2}" dt="2023-05-17T07:48:44.994" v="327" actId="1036"/>
-        <pc:sldMkLst>
-          <pc:docMk/>
-          <pc:sldMk cId="0" sldId="265"/>
-        </pc:sldMkLst>
-        <pc:spChg chg="mod">
-          <ac:chgData name="Riccardo Berta" userId="c8694f89-bba4-4576-b0a8-456619ca5a8c" providerId="ADAL" clId="{A5C46C25-53B4-094C-B435-086F3C5DB2D2}" dt="2023-05-17T07:48:44.994" v="327" actId="1036"/>
-          <ac:spMkLst>
-            <pc:docMk/>
-            <pc:sldMk cId="0" sldId="265"/>
-            <ac:spMk id="135" creationId="{00000000-0000-0000-0000-000000000000}"/>
-          </ac:spMkLst>
-        </pc:spChg>
-      </pc:sldChg>
-      <pc:sldChg chg="modSp mod">
-        <pc:chgData name="Riccardo Berta" userId="c8694f89-bba4-4576-b0a8-456619ca5a8c" providerId="ADAL" clId="{A5C46C25-53B4-094C-B435-086F3C5DB2D2}" dt="2023-05-17T07:49:42.649" v="338" actId="404"/>
-        <pc:sldMkLst>
-          <pc:docMk/>
-          <pc:sldMk cId="0" sldId="266"/>
-        </pc:sldMkLst>
-        <pc:spChg chg="mod">
-          <ac:chgData name="Riccardo Berta" userId="c8694f89-bba4-4576-b0a8-456619ca5a8c" providerId="ADAL" clId="{A5C46C25-53B4-094C-B435-086F3C5DB2D2}" dt="2023-05-17T07:49:42.649" v="338" actId="404"/>
-          <ac:spMkLst>
-            <pc:docMk/>
-            <pc:sldMk cId="0" sldId="266"/>
-            <ac:spMk id="141" creationId="{00000000-0000-0000-0000-000000000000}"/>
-          </ac:spMkLst>
-        </pc:spChg>
-      </pc:sldChg>
-      <pc:sldChg chg="modSp mod">
-        <pc:chgData name="Riccardo Berta" userId="c8694f89-bba4-4576-b0a8-456619ca5a8c" providerId="ADAL" clId="{A5C46C25-53B4-094C-B435-086F3C5DB2D2}" dt="2023-05-17T07:51:04.410" v="342" actId="1076"/>
+      <pc:sldChg chg="addSp delSp modSp mod">
+        <pc:chgData name="Riccardo Berta" userId="c8694f89-bba4-4576-b0a8-456619ca5a8c" providerId="ADAL" clId="{ADBA616A-7864-2047-AA8D-0A0E79A70231}" dt="2025-05-23T07:31:41.129" v="57" actId="1076"/>
         <pc:sldMkLst>
           <pc:docMk/>
           <pc:sldMk cId="0" sldId="267"/>
         </pc:sldMkLst>
-        <pc:picChg chg="mod modCrop">
-          <ac:chgData name="Riccardo Berta" userId="c8694f89-bba4-4576-b0a8-456619ca5a8c" providerId="ADAL" clId="{A5C46C25-53B4-094C-B435-086F3C5DB2D2}" dt="2023-05-17T07:51:04.410" v="342" actId="1076"/>
+        <pc:picChg chg="add mod">
+          <ac:chgData name="Riccardo Berta" userId="c8694f89-bba4-4576-b0a8-456619ca5a8c" providerId="ADAL" clId="{ADBA616A-7864-2047-AA8D-0A0E79A70231}" dt="2025-05-23T07:31:41.129" v="57" actId="1076"/>
+          <ac:picMkLst>
+            <pc:docMk/>
+            <pc:sldMk cId="0" sldId="267"/>
+            <ac:picMk id="2" creationId="{39F33DFB-1B1C-567C-6660-78FC1FF183E9}"/>
+          </ac:picMkLst>
+        </pc:picChg>
+        <pc:picChg chg="del">
+          <ac:chgData name="Riccardo Berta" userId="c8694f89-bba4-4576-b0a8-456619ca5a8c" providerId="ADAL" clId="{ADBA616A-7864-2047-AA8D-0A0E79A70231}" dt="2025-05-23T07:31:31.657" v="53" actId="478"/>
           <ac:picMkLst>
             <pc:docMk/>
             <pc:sldMk cId="0" sldId="267"/>
@@ -478,50 +606,36 @@
           </ac:picMkLst>
         </pc:picChg>
       </pc:sldChg>
-      <pc:sldChg chg="modSp mod">
-        <pc:chgData name="Riccardo Berta" userId="c8694f89-bba4-4576-b0a8-456619ca5a8c" providerId="ADAL" clId="{A5C46C25-53B4-094C-B435-086F3C5DB2D2}" dt="2023-05-17T07:52:21.788" v="367" actId="14100"/>
+      <pc:sldChg chg="addSp delSp modSp new mod">
+        <pc:chgData name="Riccardo Berta" userId="c8694f89-bba4-4576-b0a8-456619ca5a8c" providerId="ADAL" clId="{ADBA616A-7864-2047-AA8D-0A0E79A70231}" dt="2025-05-23T07:48:46.688" v="78" actId="20577"/>
         <pc:sldMkLst>
           <pc:docMk/>
-          <pc:sldMk cId="0" sldId="268"/>
+          <pc:sldMk cId="981429396" sldId="271"/>
         </pc:sldMkLst>
         <pc:spChg chg="mod">
-          <ac:chgData name="Riccardo Berta" userId="c8694f89-bba4-4576-b0a8-456619ca5a8c" providerId="ADAL" clId="{A5C46C25-53B4-094C-B435-086F3C5DB2D2}" dt="2023-05-17T07:52:21.788" v="367" actId="14100"/>
+          <ac:chgData name="Riccardo Berta" userId="c8694f89-bba4-4576-b0a8-456619ca5a8c" providerId="ADAL" clId="{ADBA616A-7864-2047-AA8D-0A0E79A70231}" dt="2025-05-23T07:48:46.688" v="78" actId="20577"/>
           <ac:spMkLst>
             <pc:docMk/>
-            <pc:sldMk cId="0" sldId="268"/>
-            <ac:spMk id="154" creationId="{00000000-0000-0000-0000-000000000000}"/>
+            <pc:sldMk cId="981429396" sldId="271"/>
+            <ac:spMk id="2" creationId="{3ACABC2F-003E-3392-94B9-EF638475BB81}"/>
           </ac:spMkLst>
         </pc:spChg>
-      </pc:sldChg>
-      <pc:sldChg chg="modSp mod">
-        <pc:chgData name="Riccardo Berta" userId="c8694f89-bba4-4576-b0a8-456619ca5a8c" providerId="ADAL" clId="{A5C46C25-53B4-094C-B435-086F3C5DB2D2}" dt="2023-05-17T07:52:32" v="368" actId="1076"/>
-        <pc:sldMkLst>
-          <pc:docMk/>
-          <pc:sldMk cId="0" sldId="269"/>
-        </pc:sldMkLst>
-        <pc:picChg chg="mod">
-          <ac:chgData name="Riccardo Berta" userId="c8694f89-bba4-4576-b0a8-456619ca5a8c" providerId="ADAL" clId="{A5C46C25-53B4-094C-B435-086F3C5DB2D2}" dt="2023-05-17T07:52:32" v="368" actId="1076"/>
+        <pc:spChg chg="del">
+          <ac:chgData name="Riccardo Berta" userId="c8694f89-bba4-4576-b0a8-456619ca5a8c" providerId="ADAL" clId="{ADBA616A-7864-2047-AA8D-0A0E79A70231}" dt="2025-05-23T07:48:30.822" v="62" actId="478"/>
+          <ac:spMkLst>
+            <pc:docMk/>
+            <pc:sldMk cId="981429396" sldId="271"/>
+            <ac:spMk id="3" creationId="{43E9FC4B-8FE8-5BD4-F55D-38AF7C908563}"/>
+          </ac:spMkLst>
+        </pc:spChg>
+        <pc:picChg chg="add mod">
+          <ac:chgData name="Riccardo Berta" userId="c8694f89-bba4-4576-b0a8-456619ca5a8c" providerId="ADAL" clId="{ADBA616A-7864-2047-AA8D-0A0E79A70231}" dt="2025-05-23T07:48:38.048" v="66" actId="1076"/>
           <ac:picMkLst>
             <pc:docMk/>
-            <pc:sldMk cId="0" sldId="269"/>
-            <ac:picMk id="160" creationId="{00000000-0000-0000-0000-000000000000}"/>
+            <pc:sldMk cId="981429396" sldId="271"/>
+            <ac:picMk id="4" creationId="{CF51A382-0C2D-6D3A-A1AD-2599DA7D0934}"/>
           </ac:picMkLst>
         </pc:picChg>
-      </pc:sldChg>
-      <pc:sldChg chg="modSp mod">
-        <pc:chgData name="Riccardo Berta" userId="c8694f89-bba4-4576-b0a8-456619ca5a8c" providerId="ADAL" clId="{A5C46C25-53B4-094C-B435-086F3C5DB2D2}" dt="2023-05-17T07:54:19.879" v="376" actId="20577"/>
-        <pc:sldMkLst>
-          <pc:docMk/>
-          <pc:sldMk cId="0" sldId="270"/>
-        </pc:sldMkLst>
-        <pc:spChg chg="mod">
-          <ac:chgData name="Riccardo Berta" userId="c8694f89-bba4-4576-b0a8-456619ca5a8c" providerId="ADAL" clId="{A5C46C25-53B4-094C-B435-086F3C5DB2D2}" dt="2023-05-17T07:54:19.879" v="376" actId="20577"/>
-          <ac:spMkLst>
-            <pc:docMk/>
-            <pc:sldMk cId="0" sldId="270"/>
-            <ac:spMk id="166" creationId="{00000000-0000-0000-0000-000000000000}"/>
-          </ac:spMkLst>
-        </pc:spChg>
       </pc:sldChg>
     </pc:docChg>
   </pc:docChgLst>
@@ -998,7 +1112,7 @@
         </p:nvSpPr>
         <p:spPr>
           <a:xfrm>
-            <a:off x="1143309" y="685800"/>
+            <a:off x="1143000" y="685800"/>
             <a:ext cx="4572000" cy="3429000"/>
           </a:xfrm>
           <a:custGeom>
@@ -1934,7 +2048,7 @@
         </p:nvSpPr>
         <p:spPr>
           <a:xfrm>
-            <a:off x="1143309" y="685800"/>
+            <a:off x="1143000" y="685800"/>
             <a:ext cx="4572000" cy="3429000"/>
           </a:xfrm>
           <a:custGeom>
@@ -8113,10 +8227,10 @@
               <a:buNone/>
             </a:pPr>
             <a:r>
-              <a:rPr lang="en-GB"/>
-              <a:t>Securing</a:t>
-            </a:r>
-            <a:endParaRPr/>
+              <a:rPr lang="en-GB" dirty="0"/>
+              <a:t>Security</a:t>
+            </a:r>
+            <a:endParaRPr dirty="0"/>
           </a:p>
         </p:txBody>
       </p:sp>
@@ -8158,426 +8272,36 @@
           </a:p>
         </p:txBody>
       </p:sp>
-      <p:grpSp>
-        <p:nvGrpSpPr>
-          <p:cNvPr id="64" name="Google Shape;64;p13"/>
-          <p:cNvGrpSpPr/>
+      <p:pic>
+        <p:nvPicPr>
+          <p:cNvPr id="2" name="Immagine 1" descr="Immagine che contiene diagramma, Piano, schermata&#10;&#10;Il contenuto generato dall'IA potrebbe non essere corretto.">
+            <a:extLst>
+              <a:ext uri="{FF2B5EF4-FFF2-40B4-BE49-F238E27FC236}">
+                <a16:creationId xmlns:a16="http://schemas.microsoft.com/office/drawing/2014/main" id="{017C4C0C-FEA7-55CC-0DE2-A06997183DEC}"/>
+              </a:ext>
+            </a:extLst>
+          </p:cNvPr>
+          <p:cNvPicPr>
+            <a:picLocks noChangeAspect="1"/>
+          </p:cNvPicPr>
           <p:nvPr/>
-        </p:nvGrpSpPr>
-        <p:grpSpPr>
+        </p:nvPicPr>
+        <p:blipFill>
+          <a:blip r:embed="rId3"/>
+          <a:stretch>
+            <a:fillRect/>
+          </a:stretch>
+        </p:blipFill>
+        <p:spPr>
           <a:xfrm>
-            <a:off x="4991502" y="202216"/>
-            <a:ext cx="3988156" cy="1681357"/>
-            <a:chOff x="596595" y="1681625"/>
-            <a:chExt cx="7590704" cy="3377576"/>
+            <a:off x="4687188" y="307720"/>
+            <a:ext cx="4040128" cy="1857600"/>
           </a:xfrm>
-        </p:grpSpPr>
-        <p:pic>
-          <p:nvPicPr>
-            <p:cNvPr id="65" name="Google Shape;65;p13"/>
-            <p:cNvPicPr preferRelativeResize="0"/>
-            <p:nvPr/>
-          </p:nvPicPr>
-          <p:blipFill>
-            <a:blip r:embed="rId3">
-              <a:alphaModFix/>
-            </a:blip>
-            <a:stretch>
-              <a:fillRect/>
-            </a:stretch>
-          </p:blipFill>
-          <p:spPr>
-            <a:xfrm>
-              <a:off x="4713500" y="3485357"/>
-              <a:ext cx="1051800" cy="715218"/>
-            </a:xfrm>
-            <a:prstGeom prst="rect">
-              <a:avLst/>
-            </a:prstGeom>
-            <a:noFill/>
-            <a:ln>
-              <a:noFill/>
-            </a:ln>
-          </p:spPr>
-        </p:pic>
-        <p:sp>
-          <p:nvSpPr>
-            <p:cNvPr id="66" name="Google Shape;66;p13"/>
-            <p:cNvSpPr/>
-            <p:nvPr/>
-          </p:nvSpPr>
-          <p:spPr>
-            <a:xfrm>
-              <a:off x="1929869" y="3438494"/>
-              <a:ext cx="2529576" cy="1548504"/>
-            </a:xfrm>
-            <a:prstGeom prst="cloud">
-              <a:avLst/>
-            </a:prstGeom>
-            <a:noFill/>
-            <a:ln w="9525" cap="flat" cmpd="sng">
-              <a:solidFill>
-                <a:srgbClr val="B7B7B7"/>
-              </a:solidFill>
-              <a:prstDash val="solid"/>
-              <a:round/>
-              <a:headEnd type="none" w="sm" len="sm"/>
-              <a:tailEnd type="none" w="sm" len="sm"/>
-            </a:ln>
-          </p:spPr>
-          <p:txBody>
-            <a:bodyPr spcFirstLastPara="1" wrap="square" lIns="91425" tIns="91425" rIns="91425" bIns="91425" anchor="ctr" anchorCtr="0">
-              <a:noAutofit/>
-            </a:bodyPr>
-            <a:lstStyle/>
-            <a:p>
-              <a:pPr marL="0" lvl="0" indent="0" algn="l" rtl="0">
-                <a:spcBef>
-                  <a:spcPts val="0"/>
-                </a:spcBef>
-                <a:spcAft>
-                  <a:spcPts val="0"/>
-                </a:spcAft>
-                <a:buNone/>
-              </a:pPr>
-              <a:endParaRPr/>
-            </a:p>
-          </p:txBody>
-        </p:sp>
-        <p:cxnSp>
-          <p:nvCxnSpPr>
-            <p:cNvPr id="67" name="Google Shape;67;p13"/>
-            <p:cNvCxnSpPr>
-              <a:stCxn id="68" idx="3"/>
-            </p:cNvCxnSpPr>
-            <p:nvPr/>
-          </p:nvCxnSpPr>
-          <p:spPr>
-            <a:xfrm>
-              <a:off x="1937776" y="3426272"/>
-              <a:ext cx="427200" cy="237900"/>
-            </a:xfrm>
-            <a:prstGeom prst="straightConnector1">
-              <a:avLst/>
-            </a:prstGeom>
-            <a:noFill/>
-            <a:ln w="9525" cap="flat" cmpd="sng">
-              <a:solidFill>
-                <a:srgbClr val="B7B7B7"/>
-              </a:solidFill>
-              <a:prstDash val="solid"/>
-              <a:round/>
-              <a:headEnd type="none" w="med" len="med"/>
-              <a:tailEnd type="none" w="med" len="med"/>
-            </a:ln>
-          </p:spPr>
-        </p:cxnSp>
-        <p:pic>
-          <p:nvPicPr>
-            <p:cNvPr id="68" name="Google Shape;68;p13"/>
-            <p:cNvPicPr preferRelativeResize="0"/>
-            <p:nvPr/>
-          </p:nvPicPr>
-          <p:blipFill>
-            <a:blip r:embed="rId4">
-              <a:alphaModFix/>
-            </a:blip>
-            <a:stretch>
-              <a:fillRect/>
-            </a:stretch>
-          </p:blipFill>
-          <p:spPr>
-            <a:xfrm>
-              <a:off x="596595" y="2978971"/>
-              <a:ext cx="1341180" cy="894600"/>
-            </a:xfrm>
-            <a:prstGeom prst="rect">
-              <a:avLst/>
-            </a:prstGeom>
-            <a:noFill/>
-            <a:ln>
-              <a:noFill/>
-            </a:ln>
-          </p:spPr>
-        </p:pic>
-        <p:pic>
-          <p:nvPicPr>
-            <p:cNvPr id="69" name="Google Shape;69;p13"/>
-            <p:cNvPicPr preferRelativeResize="0"/>
-            <p:nvPr/>
-          </p:nvPicPr>
-          <p:blipFill>
-            <a:blip r:embed="rId5">
-              <a:alphaModFix/>
-            </a:blip>
-            <a:stretch>
-              <a:fillRect/>
-            </a:stretch>
-          </p:blipFill>
-          <p:spPr>
-            <a:xfrm>
-              <a:off x="2369970" y="1681625"/>
-              <a:ext cx="921151" cy="772450"/>
-            </a:xfrm>
-            <a:prstGeom prst="rect">
-              <a:avLst/>
-            </a:prstGeom>
-            <a:noFill/>
-            <a:ln>
-              <a:noFill/>
-            </a:ln>
-          </p:spPr>
-        </p:pic>
-        <p:cxnSp>
-          <p:nvCxnSpPr>
-            <p:cNvPr id="70" name="Google Shape;70;p13"/>
-            <p:cNvCxnSpPr>
-              <a:stCxn id="69" idx="2"/>
-              <a:endCxn id="66" idx="3"/>
-            </p:cNvCxnSpPr>
-            <p:nvPr/>
-          </p:nvCxnSpPr>
-          <p:spPr>
-            <a:xfrm>
-              <a:off x="2830546" y="2454075"/>
-              <a:ext cx="364200" cy="1073100"/>
-            </a:xfrm>
-            <a:prstGeom prst="straightConnector1">
-              <a:avLst/>
-            </a:prstGeom>
-            <a:noFill/>
-            <a:ln w="9525" cap="flat" cmpd="sng">
-              <a:solidFill>
-                <a:srgbClr val="B7B7B7"/>
-              </a:solidFill>
-              <a:prstDash val="solid"/>
-              <a:round/>
-              <a:headEnd type="none" w="med" len="med"/>
-              <a:tailEnd type="none" w="med" len="med"/>
-            </a:ln>
-          </p:spPr>
-        </p:cxnSp>
-        <p:pic>
-          <p:nvPicPr>
-            <p:cNvPr id="71" name="Google Shape;71;p13"/>
-            <p:cNvPicPr preferRelativeResize="0"/>
-            <p:nvPr/>
-          </p:nvPicPr>
-          <p:blipFill rotWithShape="1">
-            <a:blip r:embed="rId6">
-              <a:alphaModFix/>
-            </a:blip>
-            <a:srcRect l="7526" t="9500" r="8376" b="35009"/>
-            <a:stretch/>
-          </p:blipFill>
-          <p:spPr>
-            <a:xfrm rot="5400000">
-              <a:off x="6395675" y="3267576"/>
-              <a:ext cx="2271976" cy="1311275"/>
-            </a:xfrm>
-            <a:prstGeom prst="rect">
-              <a:avLst/>
-            </a:prstGeom>
-            <a:noFill/>
-            <a:ln>
-              <a:noFill/>
-            </a:ln>
-          </p:spPr>
-        </p:pic>
-        <p:pic>
-          <p:nvPicPr>
-            <p:cNvPr id="72" name="Google Shape;72;p13"/>
-            <p:cNvPicPr preferRelativeResize="0"/>
-            <p:nvPr/>
-          </p:nvPicPr>
-          <p:blipFill>
-            <a:blip r:embed="rId7">
-              <a:alphaModFix/>
-            </a:blip>
-            <a:stretch>
-              <a:fillRect/>
-            </a:stretch>
-          </p:blipFill>
-          <p:spPr>
-            <a:xfrm>
-              <a:off x="6085380" y="3787000"/>
-              <a:ext cx="504057" cy="325200"/>
-            </a:xfrm>
-            <a:prstGeom prst="rect">
-              <a:avLst/>
-            </a:prstGeom>
-            <a:noFill/>
-            <a:ln>
-              <a:noFill/>
-            </a:ln>
-          </p:spPr>
-        </p:pic>
-        <p:cxnSp>
-          <p:nvCxnSpPr>
-            <p:cNvPr id="73" name="Google Shape;73;p13"/>
-            <p:cNvCxnSpPr/>
-            <p:nvPr/>
-          </p:nvCxnSpPr>
-          <p:spPr>
-            <a:xfrm>
-              <a:off x="4459430" y="3920656"/>
-              <a:ext cx="254100" cy="5100"/>
-            </a:xfrm>
-            <a:prstGeom prst="straightConnector1">
-              <a:avLst/>
-            </a:prstGeom>
-            <a:noFill/>
-            <a:ln w="9525" cap="flat" cmpd="sng">
-              <a:solidFill>
-                <a:srgbClr val="B7B7B7"/>
-              </a:solidFill>
-              <a:prstDash val="solid"/>
-              <a:round/>
-              <a:headEnd type="none" w="med" len="med"/>
-              <a:tailEnd type="none" w="med" len="med"/>
-            </a:ln>
-          </p:spPr>
-        </p:cxnSp>
-        <p:cxnSp>
-          <p:nvCxnSpPr>
-            <p:cNvPr id="74" name="Google Shape;74;p13"/>
-            <p:cNvCxnSpPr/>
-            <p:nvPr/>
-          </p:nvCxnSpPr>
-          <p:spPr>
-            <a:xfrm>
-              <a:off x="5765300" y="3919166"/>
-              <a:ext cx="365400" cy="8100"/>
-            </a:xfrm>
-            <a:prstGeom prst="straightConnector1">
-              <a:avLst/>
-            </a:prstGeom>
-            <a:noFill/>
-            <a:ln w="9525" cap="flat" cmpd="sng">
-              <a:solidFill>
-                <a:srgbClr val="B7B7B7"/>
-              </a:solidFill>
-              <a:prstDash val="solid"/>
-              <a:round/>
-              <a:headEnd type="none" w="med" len="med"/>
-              <a:tailEnd type="none" w="med" len="med"/>
-            </a:ln>
-          </p:spPr>
-        </p:cxnSp>
-        <p:cxnSp>
-          <p:nvCxnSpPr>
-            <p:cNvPr id="75" name="Google Shape;75;p13"/>
-            <p:cNvCxnSpPr>
-              <a:stCxn id="72" idx="3"/>
-              <a:endCxn id="72" idx="3"/>
-            </p:cNvCxnSpPr>
-            <p:nvPr/>
-          </p:nvCxnSpPr>
-          <p:spPr>
-            <a:xfrm>
-              <a:off x="6589437" y="3949600"/>
-              <a:ext cx="0" cy="0"/>
-            </a:xfrm>
-            <a:prstGeom prst="straightConnector1">
-              <a:avLst/>
-            </a:prstGeom>
-            <a:noFill/>
-            <a:ln w="9525" cap="flat" cmpd="sng">
-              <a:solidFill>
-                <a:srgbClr val="B7B7B7"/>
-              </a:solidFill>
-              <a:prstDash val="solid"/>
-              <a:round/>
-              <a:headEnd type="none" w="med" len="med"/>
-              <a:tailEnd type="none" w="med" len="med"/>
-            </a:ln>
-          </p:spPr>
-        </p:cxnSp>
-        <p:cxnSp>
-          <p:nvCxnSpPr>
-            <p:cNvPr id="76" name="Google Shape;76;p13"/>
-            <p:cNvCxnSpPr>
-              <a:stCxn id="72" idx="3"/>
-            </p:cNvCxnSpPr>
-            <p:nvPr/>
-          </p:nvCxnSpPr>
-          <p:spPr>
-            <a:xfrm>
-              <a:off x="6589437" y="3949600"/>
-              <a:ext cx="304200" cy="8400"/>
-            </a:xfrm>
-            <a:prstGeom prst="straightConnector1">
-              <a:avLst/>
-            </a:prstGeom>
-            <a:noFill/>
-            <a:ln w="9525" cap="flat" cmpd="sng">
-              <a:solidFill>
-                <a:srgbClr val="B7B7B7"/>
-              </a:solidFill>
-              <a:prstDash val="solid"/>
-              <a:round/>
-              <a:headEnd type="none" w="med" len="med"/>
-              <a:tailEnd type="none" w="med" len="med"/>
-            </a:ln>
-          </p:spPr>
-        </p:cxnSp>
-        <p:pic>
-          <p:nvPicPr>
-            <p:cNvPr id="77" name="Google Shape;77;p13"/>
-            <p:cNvPicPr preferRelativeResize="0"/>
-            <p:nvPr/>
-          </p:nvPicPr>
-          <p:blipFill>
-            <a:blip r:embed="rId8">
-              <a:alphaModFix/>
-            </a:blip>
-            <a:stretch>
-              <a:fillRect/>
-            </a:stretch>
-          </p:blipFill>
-          <p:spPr>
-            <a:xfrm>
-              <a:off x="2542954" y="3807661"/>
-              <a:ext cx="1311275" cy="815464"/>
-            </a:xfrm>
-            <a:prstGeom prst="rect">
-              <a:avLst/>
-            </a:prstGeom>
-            <a:noFill/>
-            <a:ln>
-              <a:noFill/>
-            </a:ln>
-          </p:spPr>
-        </p:pic>
-        <p:pic>
-          <p:nvPicPr>
-            <p:cNvPr id="78" name="Google Shape;78;p13"/>
-            <p:cNvPicPr preferRelativeResize="0"/>
-            <p:nvPr/>
-          </p:nvPicPr>
-          <p:blipFill>
-            <a:blip r:embed="rId9">
-              <a:alphaModFix/>
-            </a:blip>
-            <a:stretch>
-              <a:fillRect/>
-            </a:stretch>
-          </p:blipFill>
-          <p:spPr>
-            <a:xfrm>
-              <a:off x="5012750" y="4200575"/>
-              <a:ext cx="576750" cy="815714"/>
-            </a:xfrm>
-            <a:prstGeom prst="rect">
-              <a:avLst/>
-            </a:prstGeom>
-            <a:noFill/>
-            <a:ln>
-              <a:noFill/>
-            </a:ln>
-          </p:spPr>
-        </p:pic>
-      </p:grpSp>
+          <a:prstGeom prst="rect">
+            <a:avLst/>
+          </a:prstGeom>
+        </p:spPr>
+      </p:pic>
       <p:sp>
         <p:nvSpPr>
           <p:cNvPr id="79" name="Google Shape;79;p13"/>
@@ -8585,9 +8309,9 @@
           <p:nvPr/>
         </p:nvSpPr>
         <p:spPr>
-          <a:xfrm rot="-2232591">
-            <a:off x="4887882" y="218129"/>
-            <a:ext cx="1971935" cy="1404927"/>
+          <a:xfrm>
+            <a:off x="4326020" y="268188"/>
+            <a:ext cx="3206156" cy="1857600"/>
           </a:xfrm>
           <a:prstGeom prst="ellipse">
             <a:avLst/>
@@ -8631,6 +8355,380 @@
 </file>
 
 <file path=ppt/slides/slide10.xml><?xml version="1.0" encoding="utf-8"?>
+<p:sld xmlns:a="http://schemas.openxmlformats.org/drawingml/2006/main" xmlns:r="http://schemas.openxmlformats.org/officeDocument/2006/relationships" xmlns:p="http://schemas.openxmlformats.org/presentationml/2006/main">
+  <p:cSld>
+    <p:spTree>
+      <p:nvGrpSpPr>
+        <p:cNvPr id="1" name="Shape 127"/>
+        <p:cNvGrpSpPr/>
+        <p:nvPr/>
+      </p:nvGrpSpPr>
+      <p:grpSpPr>
+        <a:xfrm>
+          <a:off x="0" y="0"/>
+          <a:ext cx="0" cy="0"/>
+          <a:chOff x="0" y="0"/>
+          <a:chExt cx="0" cy="0"/>
+        </a:xfrm>
+      </p:grpSpPr>
+      <p:sp>
+        <p:nvSpPr>
+          <p:cNvPr id="128" name="Google Shape;128;p21"/>
+          <p:cNvSpPr txBox="1">
+            <a:spLocks noGrp="1"/>
+          </p:cNvSpPr>
+          <p:nvPr>
+            <p:ph type="title"/>
+          </p:nvPr>
+        </p:nvSpPr>
+        <p:spPr>
+          <a:xfrm>
+            <a:off x="311700" y="421233"/>
+            <a:ext cx="8520600" cy="622500"/>
+          </a:xfrm>
+          <a:prstGeom prst="rect">
+            <a:avLst/>
+          </a:prstGeom>
+        </p:spPr>
+        <p:txBody>
+          <a:bodyPr spcFirstLastPara="1" wrap="square" lIns="91425" tIns="91425" rIns="91425" bIns="91425" anchor="b" anchorCtr="0">
+            <a:noAutofit/>
+          </a:bodyPr>
+          <a:lstStyle/>
+          <a:p>
+            <a:pPr marL="0" lvl="0" indent="0" algn="l" rtl="0">
+              <a:spcBef>
+                <a:spcPts val="0"/>
+              </a:spcBef>
+              <a:spcAft>
+                <a:spcPts val="0"/>
+              </a:spcAft>
+              <a:buNone/>
+            </a:pPr>
+            <a:r>
+              <a:rPr lang="en-GB"/>
+              <a:t>Authentication and Access Control</a:t>
+            </a:r>
+            <a:endParaRPr/>
+          </a:p>
+        </p:txBody>
+      </p:sp>
+      <p:sp>
+        <p:nvSpPr>
+          <p:cNvPr id="129" name="Google Shape;129;p21"/>
+          <p:cNvSpPr txBox="1">
+            <a:spLocks noGrp="1"/>
+          </p:cNvSpPr>
+          <p:nvPr>
+            <p:ph type="body" idx="1"/>
+          </p:nvPr>
+        </p:nvSpPr>
+        <p:spPr>
+          <a:xfrm>
+            <a:off x="311700" y="1043733"/>
+            <a:ext cx="8520600" cy="5393034"/>
+          </a:xfrm>
+          <a:prstGeom prst="rect">
+            <a:avLst/>
+          </a:prstGeom>
+        </p:spPr>
+        <p:txBody>
+          <a:bodyPr spcFirstLastPara="1" wrap="square" lIns="91425" tIns="91425" rIns="91425" bIns="91425" anchor="t" anchorCtr="0">
+            <a:noAutofit/>
+          </a:bodyPr>
+          <a:lstStyle/>
+          <a:p>
+            <a:pPr marL="457200" lvl="0" indent="-342900" algn="l" rtl="0">
+              <a:spcBef>
+                <a:spcPts val="0"/>
+              </a:spcBef>
+              <a:spcAft>
+                <a:spcPts val="0"/>
+              </a:spcAft>
+              <a:buSzPts val="1800"/>
+              <a:buChar char="●"/>
+            </a:pPr>
+            <a:r>
+              <a:rPr lang="en-GB" dirty="0"/>
+              <a:t>We want to enable only some applications to access API</a:t>
+            </a:r>
+            <a:endParaRPr dirty="0"/>
+          </a:p>
+          <a:p>
+            <a:pPr marL="914400" lvl="1" indent="-317500" algn="l" rtl="0">
+              <a:spcBef>
+                <a:spcPts val="0"/>
+              </a:spcBef>
+              <a:spcAft>
+                <a:spcPts val="0"/>
+              </a:spcAft>
+              <a:buSzPts val="1400"/>
+              <a:buChar char="○"/>
+            </a:pPr>
+            <a:r>
+              <a:rPr lang="en-GB" dirty="0"/>
+              <a:t>the hotel control </a:t>
+            </a:r>
+            <a:r>
+              <a:rPr lang="en-GB" dirty="0" err="1"/>
+              <a:t>center</a:t>
+            </a:r>
+            <a:r>
+              <a:rPr lang="en-GB" dirty="0"/>
+              <a:t> needs to have full access to all devices and the ability to configure and administer them </a:t>
+            </a:r>
+            <a:endParaRPr dirty="0"/>
+          </a:p>
+          <a:p>
+            <a:pPr marL="914400" lvl="1" indent="-317500" algn="l" rtl="0">
+              <a:spcBef>
+                <a:spcPts val="0"/>
+              </a:spcBef>
+              <a:spcAft>
+                <a:spcPts val="0"/>
+              </a:spcAft>
+              <a:buSzPts val="1400"/>
+              <a:buChar char="○"/>
+            </a:pPr>
+            <a:r>
+              <a:rPr lang="en-GB" dirty="0"/>
+              <a:t>however, guest in room 212 only needs to access the devices and services in that room, she should not be able to configure them, but only send a limited set of commands</a:t>
+            </a:r>
+          </a:p>
+          <a:p>
+            <a:pPr marL="914400" lvl="1" indent="-317500" algn="l" rtl="0">
+              <a:spcBef>
+                <a:spcPts val="0"/>
+              </a:spcBef>
+              <a:spcAft>
+                <a:spcPts val="0"/>
+              </a:spcAft>
+              <a:buSzPts val="1400"/>
+              <a:buChar char="○"/>
+            </a:pPr>
+            <a:endParaRPr sz="800" dirty="0"/>
+          </a:p>
+          <a:p>
+            <a:pPr marL="457200" lvl="0" indent="-342900" algn="l" rtl="0">
+              <a:spcBef>
+                <a:spcPts val="0"/>
+              </a:spcBef>
+              <a:spcAft>
+                <a:spcPts val="0"/>
+              </a:spcAft>
+              <a:buSzPts val="1800"/>
+              <a:buChar char="●"/>
+            </a:pPr>
+            <a:r>
+              <a:rPr lang="en-GB" dirty="0"/>
+              <a:t>Need to be able to know the sender of each request </a:t>
+            </a:r>
+            <a:endParaRPr dirty="0"/>
+          </a:p>
+          <a:p>
+            <a:pPr marL="914400" lvl="1" indent="-317500" algn="l" rtl="0">
+              <a:spcBef>
+                <a:spcPts val="0"/>
+              </a:spcBef>
+              <a:spcAft>
+                <a:spcPts val="0"/>
+              </a:spcAft>
+              <a:buSzPts val="1400"/>
+              <a:buChar char="○"/>
+            </a:pPr>
+            <a:r>
+              <a:rPr lang="en-GB" b="1" dirty="0"/>
+              <a:t>Identification</a:t>
+            </a:r>
+            <a:endParaRPr sz="1000" b="1" dirty="0"/>
+          </a:p>
+          <a:p>
+            <a:pPr marL="457200" lvl="0" indent="-342900" algn="l" rtl="0">
+              <a:spcBef>
+                <a:spcPts val="0"/>
+              </a:spcBef>
+              <a:spcAft>
+                <a:spcPts val="0"/>
+              </a:spcAft>
+              <a:buSzPts val="1800"/>
+              <a:buChar char="●"/>
+            </a:pPr>
+            <a:r>
+              <a:rPr lang="en-GB" dirty="0"/>
+              <a:t>Devices need to trust that the sender really is who she claims to be </a:t>
+            </a:r>
+            <a:endParaRPr dirty="0"/>
+          </a:p>
+          <a:p>
+            <a:pPr marL="914400" lvl="1" indent="-317500" algn="l" rtl="0">
+              <a:spcBef>
+                <a:spcPts val="0"/>
+              </a:spcBef>
+              <a:spcAft>
+                <a:spcPts val="0"/>
+              </a:spcAft>
+              <a:buSzPts val="1400"/>
+              <a:buChar char="○"/>
+            </a:pPr>
+            <a:r>
+              <a:rPr lang="en-GB" b="1" dirty="0"/>
+              <a:t>Authentication</a:t>
+            </a:r>
+            <a:endParaRPr sz="1000" b="1" dirty="0"/>
+          </a:p>
+          <a:p>
+            <a:pPr marL="457200" lvl="0" indent="-342900" algn="l" rtl="0">
+              <a:spcBef>
+                <a:spcPts val="0"/>
+              </a:spcBef>
+              <a:spcAft>
+                <a:spcPts val="0"/>
+              </a:spcAft>
+              <a:buSzPts val="1800"/>
+              <a:buChar char="●"/>
+            </a:pPr>
+            <a:r>
+              <a:rPr lang="en-GB" dirty="0"/>
+              <a:t>Devices also need to know if they should accept or reject each request depending on the identity of the sender </a:t>
+            </a:r>
+            <a:endParaRPr dirty="0"/>
+          </a:p>
+          <a:p>
+            <a:pPr marL="914400" lvl="1" indent="-317500" algn="l" rtl="0">
+              <a:spcBef>
+                <a:spcPts val="0"/>
+              </a:spcBef>
+              <a:spcAft>
+                <a:spcPts val="0"/>
+              </a:spcAft>
+              <a:buSzPts val="1400"/>
+              <a:buChar char="○"/>
+            </a:pPr>
+            <a:r>
+              <a:rPr lang="en-GB" b="1" dirty="0"/>
+              <a:t>Authorization</a:t>
+            </a:r>
+            <a:r>
+              <a:rPr lang="en-GB" dirty="0"/>
+              <a:t> </a:t>
+            </a:r>
+          </a:p>
+          <a:p>
+            <a:pPr marL="914400" lvl="1" indent="-317500" algn="l" rtl="0">
+              <a:spcBef>
+                <a:spcPts val="0"/>
+              </a:spcBef>
+              <a:spcAft>
+                <a:spcPts val="0"/>
+              </a:spcAft>
+              <a:buSzPts val="1400"/>
+              <a:buChar char="○"/>
+            </a:pPr>
+            <a:endParaRPr sz="800" dirty="0"/>
+          </a:p>
+          <a:p>
+            <a:pPr marL="457200" lvl="0" indent="-342900" algn="l" rtl="0">
+              <a:spcBef>
+                <a:spcPts val="0"/>
+              </a:spcBef>
+              <a:spcAft>
+                <a:spcPts val="0"/>
+              </a:spcAft>
+              <a:buSzPts val="1800"/>
+              <a:buChar char="●"/>
+            </a:pPr>
+            <a:r>
+              <a:rPr lang="en-GB" dirty="0"/>
+              <a:t>Encryption is like sending a postcard in an envelope, authentication is like sending that envelope via registered mail</a:t>
+            </a:r>
+            <a:endParaRPr dirty="0"/>
+          </a:p>
+          <a:p>
+            <a:pPr marL="914400" lvl="1" indent="-317500" algn="l" rtl="0">
+              <a:spcBef>
+                <a:spcPts val="0"/>
+              </a:spcBef>
+              <a:spcAft>
+                <a:spcPts val="0"/>
+              </a:spcAft>
+              <a:buSzPts val="1400"/>
+              <a:buChar char="○"/>
+            </a:pPr>
+            <a:r>
+              <a:rPr lang="en-GB" dirty="0"/>
+              <a:t>the postman will only deliver the letter to the correct recipient</a:t>
+            </a:r>
+          </a:p>
+          <a:p>
+            <a:pPr marL="914400" lvl="1" indent="-317500" algn="l" rtl="0">
+              <a:spcBef>
+                <a:spcPts val="0"/>
+              </a:spcBef>
+              <a:spcAft>
+                <a:spcPts val="0"/>
+              </a:spcAft>
+              <a:buSzPts val="1400"/>
+              <a:buChar char="○"/>
+            </a:pPr>
+            <a:endParaRPr sz="800" dirty="0"/>
+          </a:p>
+          <a:p>
+            <a:pPr marL="457200" lvl="0" indent="-342900" algn="l" rtl="0">
+              <a:spcBef>
+                <a:spcPts val="0"/>
+              </a:spcBef>
+              <a:spcAft>
+                <a:spcPts val="0"/>
+              </a:spcAft>
+              <a:buSzPts val="1800"/>
+              <a:buChar char="●"/>
+            </a:pPr>
+            <a:r>
+              <a:rPr lang="en-GB" b="1" dirty="0"/>
+              <a:t>Token-based authentication</a:t>
+            </a:r>
+            <a:endParaRPr b="1" dirty="0"/>
+          </a:p>
+          <a:p>
+            <a:pPr marL="914400" lvl="1" indent="-317500" algn="l" rtl="0">
+              <a:spcBef>
+                <a:spcPts val="0"/>
+              </a:spcBef>
+              <a:spcAft>
+                <a:spcPts val="0"/>
+              </a:spcAft>
+              <a:buSzPts val="1400"/>
+              <a:buChar char="○"/>
+            </a:pPr>
+            <a:r>
+              <a:rPr lang="en-GB" dirty="0"/>
+              <a:t>a secret token can be used to authenticate each request sent by that client</a:t>
+            </a:r>
+            <a:endParaRPr dirty="0"/>
+          </a:p>
+          <a:p>
+            <a:pPr marL="0" lvl="0" indent="0" algn="l" rtl="0">
+              <a:spcBef>
+                <a:spcPts val="1600"/>
+              </a:spcBef>
+              <a:spcAft>
+                <a:spcPts val="1600"/>
+              </a:spcAft>
+              <a:buNone/>
+            </a:pPr>
+            <a:endParaRPr dirty="0"/>
+          </a:p>
+        </p:txBody>
+      </p:sp>
+    </p:spTree>
+  </p:cSld>
+  <p:clrMapOvr>
+    <a:masterClrMapping/>
+  </p:clrMapOvr>
+</p:sld>
+</file>
+
+<file path=ppt/slides/slide11.xml><?xml version="1.0" encoding="utf-8"?>
 <p:sld xmlns:a="http://schemas.openxmlformats.org/drawingml/2006/main" xmlns:r="http://schemas.openxmlformats.org/officeDocument/2006/relationships" xmlns:p="http://schemas.openxmlformats.org/presentationml/2006/main">
   <p:cSld>
     <p:spTree>
@@ -9000,7 +9098,7 @@
 </p:sld>
 </file>
 
-<file path=ppt/slides/slide11.xml><?xml version="1.0" encoding="utf-8"?>
+<file path=ppt/slides/slide12.xml><?xml version="1.0" encoding="utf-8"?>
 <p:sld xmlns:a="http://schemas.openxmlformats.org/drawingml/2006/main" xmlns:r="http://schemas.openxmlformats.org/officeDocument/2006/relationships" xmlns:p="http://schemas.openxmlformats.org/presentationml/2006/main">
   <p:cSld>
     <p:spTree>
@@ -9426,7 +9524,7 @@
 </p:sld>
 </file>
 
-<file path=ppt/slides/slide12.xml><?xml version="1.0" encoding="utf-8"?>
+<file path=ppt/slides/slide13.xml><?xml version="1.0" encoding="utf-8"?>
 <p:sld xmlns:a="http://schemas.openxmlformats.org/drawingml/2006/main" xmlns:r="http://schemas.openxmlformats.org/officeDocument/2006/relationships" xmlns:p="http://schemas.openxmlformats.org/presentationml/2006/main">
   <p:cSld>
     <p:spTree>
@@ -9533,29 +9631,32 @@
       </p:sp>
       <p:pic>
         <p:nvPicPr>
-          <p:cNvPr id="148" name="Google Shape;148;p24"/>
-          <p:cNvPicPr preferRelativeResize="0"/>
+          <p:cNvPr id="2" name="Immagine 1">
+            <a:extLst>
+              <a:ext uri="{FF2B5EF4-FFF2-40B4-BE49-F238E27FC236}">
+                <a16:creationId xmlns:a16="http://schemas.microsoft.com/office/drawing/2014/main" id="{39F33DFB-1B1C-567C-6660-78FC1FF183E9}"/>
+              </a:ext>
+            </a:extLst>
+          </p:cNvPr>
+          <p:cNvPicPr>
+            <a:picLocks noChangeAspect="1"/>
+          </p:cNvPicPr>
           <p:nvPr/>
         </p:nvPicPr>
-        <p:blipFill rotWithShape="1">
-          <a:blip r:embed="rId3">
-            <a:alphaModFix/>
-          </a:blip>
-          <a:srcRect l="892" r="772"/>
-          <a:stretch/>
+        <p:blipFill>
+          <a:blip r:embed="rId3"/>
+          <a:stretch>
+            <a:fillRect/>
+          </a:stretch>
         </p:blipFill>
         <p:spPr>
           <a:xfrm>
-            <a:off x="225972" y="1283575"/>
-            <a:ext cx="8692055" cy="4972050"/>
+            <a:off x="107195" y="1454614"/>
+            <a:ext cx="8929609" cy="4446226"/>
           </a:xfrm>
           <a:prstGeom prst="rect">
             <a:avLst/>
           </a:prstGeom>
-          <a:noFill/>
-          <a:ln>
-            <a:noFill/>
-          </a:ln>
         </p:spPr>
       </p:pic>
     </p:spTree>
@@ -9566,7 +9667,7 @@
 </p:sld>
 </file>
 
-<file path=ppt/slides/slide13.xml><?xml version="1.0" encoding="utf-8"?>
+<file path=ppt/slides/slide14.xml><?xml version="1.0" encoding="utf-8"?>
 <p:sld xmlns:a="http://schemas.openxmlformats.org/drawingml/2006/main" xmlns:r="http://schemas.openxmlformats.org/officeDocument/2006/relationships" xmlns:p="http://schemas.openxmlformats.org/presentationml/2006/main">
   <p:cSld>
     <p:spTree>
@@ -9961,7 +10062,7 @@
 </p:sld>
 </file>
 
-<file path=ppt/slides/slide14.xml><?xml version="1.0" encoding="utf-8"?>
+<file path=ppt/slides/slide15.xml><?xml version="1.0" encoding="utf-8"?>
 <p:sld xmlns:a="http://schemas.openxmlformats.org/drawingml/2006/main" xmlns:r="http://schemas.openxmlformats.org/officeDocument/2006/relationships" xmlns:p="http://schemas.openxmlformats.org/presentationml/2006/main">
   <p:cSld>
     <p:spTree>
@@ -10056,7 +10157,7 @@
 </p:sld>
 </file>
 
-<file path=ppt/slides/slide15.xml><?xml version="1.0" encoding="utf-8"?>
+<file path=ppt/slides/slide16.xml><?xml version="1.0" encoding="utf-8"?>
 <p:sld xmlns:a="http://schemas.openxmlformats.org/drawingml/2006/main" xmlns:r="http://schemas.openxmlformats.org/officeDocument/2006/relationships" xmlns:p="http://schemas.openxmlformats.org/presentationml/2006/main">
   <p:cSld>
     <p:spTree>
@@ -10433,10 +10534,10 @@
               <a:buNone/>
             </a:pPr>
             <a:r>
-              <a:rPr lang="en-GB"/>
+              <a:rPr lang="en-GB" dirty="0"/>
               <a:t>Intranet or Internet of Things?</a:t>
             </a:r>
-            <a:endParaRPr/>
+            <a:endParaRPr dirty="0"/>
           </a:p>
         </p:txBody>
       </p:sp>
@@ -11130,30 +11231,32 @@
       </p:sp>
       <p:pic>
         <p:nvPicPr>
-          <p:cNvPr id="98" name="Google Shape;98;p16"/>
-          <p:cNvPicPr preferRelativeResize="0"/>
+          <p:cNvPr id="3" name="Immagine 2">
+            <a:extLst>
+              <a:ext uri="{FF2B5EF4-FFF2-40B4-BE49-F238E27FC236}">
+                <a16:creationId xmlns:a16="http://schemas.microsoft.com/office/drawing/2014/main" id="{23ABA54E-7CE0-B3D5-8910-0A1CDA6A2177}"/>
+              </a:ext>
+            </a:extLst>
+          </p:cNvPr>
+          <p:cNvPicPr>
+            <a:picLocks noChangeAspect="1"/>
+          </p:cNvPicPr>
           <p:nvPr/>
         </p:nvPicPr>
         <p:blipFill>
-          <a:blip r:embed="rId3">
-            <a:alphaModFix/>
-          </a:blip>
+          <a:blip r:embed="rId3"/>
           <a:stretch>
             <a:fillRect/>
           </a:stretch>
         </p:blipFill>
         <p:spPr>
           <a:xfrm>
-            <a:off x="583000" y="1237650"/>
-            <a:ext cx="8130400" cy="4805975"/>
+            <a:off x="143359" y="1578887"/>
+            <a:ext cx="8899902" cy="4449951"/>
           </a:xfrm>
           <a:prstGeom prst="rect">
             <a:avLst/>
           </a:prstGeom>
-          <a:noFill/>
-          <a:ln>
-            <a:noFill/>
-          </a:ln>
         </p:spPr>
       </p:pic>
     </p:spTree>
@@ -11445,30 +11548,32 @@
       </p:sp>
       <p:pic>
         <p:nvPicPr>
-          <p:cNvPr id="105" name="Google Shape;105;p17"/>
-          <p:cNvPicPr preferRelativeResize="0"/>
+          <p:cNvPr id="2" name="Immagine 1">
+            <a:extLst>
+              <a:ext uri="{FF2B5EF4-FFF2-40B4-BE49-F238E27FC236}">
+                <a16:creationId xmlns:a16="http://schemas.microsoft.com/office/drawing/2014/main" id="{BB0B9222-BA28-F03B-5609-BC0734759622}"/>
+              </a:ext>
+            </a:extLst>
+          </p:cNvPr>
+          <p:cNvPicPr>
+            <a:picLocks noChangeAspect="1"/>
+          </p:cNvPicPr>
           <p:nvPr/>
         </p:nvPicPr>
         <p:blipFill>
-          <a:blip r:embed="rId3">
-            <a:alphaModFix/>
-          </a:blip>
+          <a:blip r:embed="rId3"/>
           <a:stretch>
             <a:fillRect/>
           </a:stretch>
         </p:blipFill>
         <p:spPr>
           <a:xfrm>
-            <a:off x="972051" y="4525410"/>
-            <a:ext cx="6806250" cy="2155300"/>
+            <a:off x="840783" y="4451136"/>
+            <a:ext cx="7202837" cy="2129394"/>
           </a:xfrm>
           <a:prstGeom prst="rect">
             <a:avLst/>
           </a:prstGeom>
-          <a:noFill/>
-          <a:ln>
-            <a:noFill/>
-          </a:ln>
         </p:spPr>
       </p:pic>
     </p:spTree>
@@ -11531,10 +11636,10 @@
               <a:buNone/>
             </a:pPr>
             <a:r>
-              <a:rPr lang="en-GB"/>
-              <a:t>TLS</a:t>
-            </a:r>
-            <a:endParaRPr/>
+              <a:rPr lang="en-GB" dirty="0"/>
+              <a:t>TLS (1)</a:t>
+            </a:r>
+            <a:endParaRPr dirty="0"/>
           </a:p>
         </p:txBody>
       </p:sp>
@@ -11859,6 +11964,94 @@
 </file>
 
 <file path=ppt/slides/slide7.xml><?xml version="1.0" encoding="utf-8"?>
+<p:sld xmlns:a="http://schemas.openxmlformats.org/drawingml/2006/main" xmlns:r="http://schemas.openxmlformats.org/officeDocument/2006/relationships" xmlns:p="http://schemas.openxmlformats.org/presentationml/2006/main">
+  <p:cSld>
+    <p:spTree>
+      <p:nvGrpSpPr>
+        <p:cNvPr id="1" name=""/>
+        <p:cNvGrpSpPr/>
+        <p:nvPr/>
+      </p:nvGrpSpPr>
+      <p:grpSpPr>
+        <a:xfrm>
+          <a:off x="0" y="0"/>
+          <a:ext cx="0" cy="0"/>
+          <a:chOff x="0" y="0"/>
+          <a:chExt cx="0" cy="0"/>
+        </a:xfrm>
+      </p:grpSpPr>
+      <p:sp>
+        <p:nvSpPr>
+          <p:cNvPr id="2" name="Titolo 1">
+            <a:extLst>
+              <a:ext uri="{FF2B5EF4-FFF2-40B4-BE49-F238E27FC236}">
+                <a16:creationId xmlns:a16="http://schemas.microsoft.com/office/drawing/2014/main" id="{3ACABC2F-003E-3392-94B9-EF638475BB81}"/>
+              </a:ext>
+            </a:extLst>
+          </p:cNvPr>
+          <p:cNvSpPr>
+            <a:spLocks noGrp="1"/>
+          </p:cNvSpPr>
+          <p:nvPr>
+            <p:ph type="title"/>
+          </p:nvPr>
+        </p:nvSpPr>
+        <p:spPr/>
+        <p:txBody>
+          <a:bodyPr/>
+          <a:lstStyle/>
+          <a:p>
+            <a:r>
+              <a:rPr lang="it-IT" dirty="0"/>
+              <a:t>TLS (2)</a:t>
+            </a:r>
+          </a:p>
+        </p:txBody>
+      </p:sp>
+      <p:pic>
+        <p:nvPicPr>
+          <p:cNvPr id="4" name="Immagine 3">
+            <a:extLst>
+              <a:ext uri="{FF2B5EF4-FFF2-40B4-BE49-F238E27FC236}">
+                <a16:creationId xmlns:a16="http://schemas.microsoft.com/office/drawing/2014/main" id="{CF51A382-0C2D-6D3A-A1AD-2599DA7D0934}"/>
+              </a:ext>
+            </a:extLst>
+          </p:cNvPr>
+          <p:cNvPicPr>
+            <a:picLocks noChangeAspect="1"/>
+          </p:cNvPicPr>
+          <p:nvPr/>
+        </p:nvPicPr>
+        <p:blipFill>
+          <a:blip r:embed="rId2"/>
+          <a:stretch>
+            <a:fillRect/>
+          </a:stretch>
+        </p:blipFill>
+        <p:spPr>
+          <a:xfrm>
+            <a:off x="205576" y="1601774"/>
+            <a:ext cx="8839722" cy="3976723"/>
+          </a:xfrm>
+          <a:prstGeom prst="rect">
+            <a:avLst/>
+          </a:prstGeom>
+        </p:spPr>
+      </p:pic>
+    </p:spTree>
+    <p:extLst>
+      <p:ext uri="{BB962C8B-B14F-4D97-AF65-F5344CB8AC3E}">
+        <p14:creationId xmlns:p14="http://schemas.microsoft.com/office/powerpoint/2010/main" val="981429396"/>
+      </p:ext>
+    </p:extLst>
+  </p:cSld>
+  <p:clrMapOvr>
+    <a:masterClrMapping/>
+  </p:clrMapOvr>
+</p:sld>
+</file>
+
+<file path=ppt/slides/slide8.xml><?xml version="1.0" encoding="utf-8"?>
 <p:sld xmlns:a="http://schemas.openxmlformats.org/drawingml/2006/main" xmlns:r="http://schemas.openxmlformats.org/officeDocument/2006/relationships" xmlns:p="http://schemas.openxmlformats.org/presentationml/2006/main">
   <p:cSld>
     <p:spTree>
@@ -11953,19 +12146,11 @@
               <a:buChar char="●"/>
             </a:pPr>
             <a:r>
-              <a:rPr lang="en-GB" dirty="0">
-                <a:highlight>
-                  <a:srgbClr val="FFFF00"/>
-                </a:highlight>
-              </a:rPr>
+              <a:rPr lang="en-GB" dirty="0"/>
               <a:t>Code: </a:t>
             </a:r>
             <a:r>
-              <a:rPr lang="en-GB" b="1" dirty="0">
-                <a:highlight>
-                  <a:srgbClr val="FFFF00"/>
-                </a:highlight>
-              </a:rPr>
+              <a:rPr lang="en-GB" b="1" dirty="0"/>
               <a:t>01. Securing Web Thing</a:t>
             </a:r>
           </a:p>
@@ -12467,7 +12652,7 @@
 </p:sld>
 </file>
 
-<file path=ppt/slides/slide8.xml><?xml version="1.0" encoding="utf-8"?>
+<file path=ppt/slides/slide9.xml><?xml version="1.0" encoding="utf-8"?>
 <p:sld xmlns:a="http://schemas.openxmlformats.org/drawingml/2006/main" xmlns:r="http://schemas.openxmlformats.org/officeDocument/2006/relationships" xmlns:p="http://schemas.openxmlformats.org/presentationml/2006/main">
   <p:cSld>
     <p:spTree>
@@ -12696,11 +12881,15 @@
             </a:pPr>
             <a:r>
               <a:rPr lang="en-GB" dirty="0"/>
-              <a:t>e.g. Thawte, Symantec or </a:t>
+              <a:t>e.g. DigiCert, </a:t>
             </a:r>
             <a:r>
               <a:rPr lang="en-GB" dirty="0" err="1"/>
-              <a:t>GeoTrust</a:t>
+              <a:t>Sectigo</a:t>
+            </a:r>
+            <a:r>
+              <a:rPr lang="en-GB"/>
+              <a:t>, o GlobalSign</a:t>
             </a:r>
             <a:endParaRPr dirty="0"/>
           </a:p>
@@ -12901,380 +13090,6 @@
           </a:p>
           <a:p>
             <a:pPr marL="457200" lvl="0" indent="0" algn="l" rtl="0">
-              <a:spcBef>
-                <a:spcPts val="1600"/>
-              </a:spcBef>
-              <a:spcAft>
-                <a:spcPts val="1600"/>
-              </a:spcAft>
-              <a:buNone/>
-            </a:pPr>
-            <a:endParaRPr dirty="0"/>
-          </a:p>
-        </p:txBody>
-      </p:sp>
-    </p:spTree>
-  </p:cSld>
-  <p:clrMapOvr>
-    <a:masterClrMapping/>
-  </p:clrMapOvr>
-</p:sld>
-</file>
-
-<file path=ppt/slides/slide9.xml><?xml version="1.0" encoding="utf-8"?>
-<p:sld xmlns:a="http://schemas.openxmlformats.org/drawingml/2006/main" xmlns:r="http://schemas.openxmlformats.org/officeDocument/2006/relationships" xmlns:p="http://schemas.openxmlformats.org/presentationml/2006/main">
-  <p:cSld>
-    <p:spTree>
-      <p:nvGrpSpPr>
-        <p:cNvPr id="1" name="Shape 127"/>
-        <p:cNvGrpSpPr/>
-        <p:nvPr/>
-      </p:nvGrpSpPr>
-      <p:grpSpPr>
-        <a:xfrm>
-          <a:off x="0" y="0"/>
-          <a:ext cx="0" cy="0"/>
-          <a:chOff x="0" y="0"/>
-          <a:chExt cx="0" cy="0"/>
-        </a:xfrm>
-      </p:grpSpPr>
-      <p:sp>
-        <p:nvSpPr>
-          <p:cNvPr id="128" name="Google Shape;128;p21"/>
-          <p:cNvSpPr txBox="1">
-            <a:spLocks noGrp="1"/>
-          </p:cNvSpPr>
-          <p:nvPr>
-            <p:ph type="title"/>
-          </p:nvPr>
-        </p:nvSpPr>
-        <p:spPr>
-          <a:xfrm>
-            <a:off x="311700" y="421233"/>
-            <a:ext cx="8520600" cy="622500"/>
-          </a:xfrm>
-          <a:prstGeom prst="rect">
-            <a:avLst/>
-          </a:prstGeom>
-        </p:spPr>
-        <p:txBody>
-          <a:bodyPr spcFirstLastPara="1" wrap="square" lIns="91425" tIns="91425" rIns="91425" bIns="91425" anchor="b" anchorCtr="0">
-            <a:noAutofit/>
-          </a:bodyPr>
-          <a:lstStyle/>
-          <a:p>
-            <a:pPr marL="0" lvl="0" indent="0" algn="l" rtl="0">
-              <a:spcBef>
-                <a:spcPts val="0"/>
-              </a:spcBef>
-              <a:spcAft>
-                <a:spcPts val="0"/>
-              </a:spcAft>
-              <a:buNone/>
-            </a:pPr>
-            <a:r>
-              <a:rPr lang="en-GB"/>
-              <a:t>Authentication and Access Control</a:t>
-            </a:r>
-            <a:endParaRPr/>
-          </a:p>
-        </p:txBody>
-      </p:sp>
-      <p:sp>
-        <p:nvSpPr>
-          <p:cNvPr id="129" name="Google Shape;129;p21"/>
-          <p:cNvSpPr txBox="1">
-            <a:spLocks noGrp="1"/>
-          </p:cNvSpPr>
-          <p:nvPr>
-            <p:ph type="body" idx="1"/>
-          </p:nvPr>
-        </p:nvSpPr>
-        <p:spPr>
-          <a:xfrm>
-            <a:off x="311700" y="1043733"/>
-            <a:ext cx="8520600" cy="5393034"/>
-          </a:xfrm>
-          <a:prstGeom prst="rect">
-            <a:avLst/>
-          </a:prstGeom>
-        </p:spPr>
-        <p:txBody>
-          <a:bodyPr spcFirstLastPara="1" wrap="square" lIns="91425" tIns="91425" rIns="91425" bIns="91425" anchor="t" anchorCtr="0">
-            <a:noAutofit/>
-          </a:bodyPr>
-          <a:lstStyle/>
-          <a:p>
-            <a:pPr marL="457200" lvl="0" indent="-342900" algn="l" rtl="0">
-              <a:spcBef>
-                <a:spcPts val="0"/>
-              </a:spcBef>
-              <a:spcAft>
-                <a:spcPts val="0"/>
-              </a:spcAft>
-              <a:buSzPts val="1800"/>
-              <a:buChar char="●"/>
-            </a:pPr>
-            <a:r>
-              <a:rPr lang="en-GB" dirty="0"/>
-              <a:t>We want to enable only some applications to access API</a:t>
-            </a:r>
-            <a:endParaRPr dirty="0"/>
-          </a:p>
-          <a:p>
-            <a:pPr marL="914400" lvl="1" indent="-317500" algn="l" rtl="0">
-              <a:spcBef>
-                <a:spcPts val="0"/>
-              </a:spcBef>
-              <a:spcAft>
-                <a:spcPts val="0"/>
-              </a:spcAft>
-              <a:buSzPts val="1400"/>
-              <a:buChar char="○"/>
-            </a:pPr>
-            <a:r>
-              <a:rPr lang="en-GB" dirty="0"/>
-              <a:t>the hotel control </a:t>
-            </a:r>
-            <a:r>
-              <a:rPr lang="en-GB" dirty="0" err="1"/>
-              <a:t>center</a:t>
-            </a:r>
-            <a:r>
-              <a:rPr lang="en-GB" dirty="0"/>
-              <a:t> needs to have full access to all devices and the ability to configure and administer them </a:t>
-            </a:r>
-            <a:endParaRPr dirty="0"/>
-          </a:p>
-          <a:p>
-            <a:pPr marL="914400" lvl="1" indent="-317500" algn="l" rtl="0">
-              <a:spcBef>
-                <a:spcPts val="0"/>
-              </a:spcBef>
-              <a:spcAft>
-                <a:spcPts val="0"/>
-              </a:spcAft>
-              <a:buSzPts val="1400"/>
-              <a:buChar char="○"/>
-            </a:pPr>
-            <a:r>
-              <a:rPr lang="en-GB" dirty="0"/>
-              <a:t>however, guest in room 212 only needs to access the devices and services in that room, she should not be able to configure them, but only send a limited set of commands</a:t>
-            </a:r>
-          </a:p>
-          <a:p>
-            <a:pPr marL="914400" lvl="1" indent="-317500" algn="l" rtl="0">
-              <a:spcBef>
-                <a:spcPts val="0"/>
-              </a:spcBef>
-              <a:spcAft>
-                <a:spcPts val="0"/>
-              </a:spcAft>
-              <a:buSzPts val="1400"/>
-              <a:buChar char="○"/>
-            </a:pPr>
-            <a:endParaRPr sz="800" dirty="0"/>
-          </a:p>
-          <a:p>
-            <a:pPr marL="457200" lvl="0" indent="-342900" algn="l" rtl="0">
-              <a:spcBef>
-                <a:spcPts val="0"/>
-              </a:spcBef>
-              <a:spcAft>
-                <a:spcPts val="0"/>
-              </a:spcAft>
-              <a:buSzPts val="1800"/>
-              <a:buChar char="●"/>
-            </a:pPr>
-            <a:r>
-              <a:rPr lang="en-GB" dirty="0"/>
-              <a:t>Need to be able to know the sender of each request </a:t>
-            </a:r>
-            <a:endParaRPr dirty="0"/>
-          </a:p>
-          <a:p>
-            <a:pPr marL="914400" lvl="1" indent="-317500" algn="l" rtl="0">
-              <a:spcBef>
-                <a:spcPts val="0"/>
-              </a:spcBef>
-              <a:spcAft>
-                <a:spcPts val="0"/>
-              </a:spcAft>
-              <a:buSzPts val="1400"/>
-              <a:buChar char="○"/>
-            </a:pPr>
-            <a:r>
-              <a:rPr lang="en-GB" b="1" dirty="0"/>
-              <a:t>Identification</a:t>
-            </a:r>
-            <a:endParaRPr sz="1000" b="1" dirty="0"/>
-          </a:p>
-          <a:p>
-            <a:pPr marL="457200" lvl="0" indent="-342900" algn="l" rtl="0">
-              <a:spcBef>
-                <a:spcPts val="0"/>
-              </a:spcBef>
-              <a:spcAft>
-                <a:spcPts val="0"/>
-              </a:spcAft>
-              <a:buSzPts val="1800"/>
-              <a:buChar char="●"/>
-            </a:pPr>
-            <a:r>
-              <a:rPr lang="en-GB" dirty="0"/>
-              <a:t>Devices need to trust that the sender really is who she claims to be </a:t>
-            </a:r>
-            <a:endParaRPr dirty="0"/>
-          </a:p>
-          <a:p>
-            <a:pPr marL="914400" lvl="1" indent="-317500" algn="l" rtl="0">
-              <a:spcBef>
-                <a:spcPts val="0"/>
-              </a:spcBef>
-              <a:spcAft>
-                <a:spcPts val="0"/>
-              </a:spcAft>
-              <a:buSzPts val="1400"/>
-              <a:buChar char="○"/>
-            </a:pPr>
-            <a:r>
-              <a:rPr lang="en-GB" b="1" dirty="0"/>
-              <a:t>Authentication</a:t>
-            </a:r>
-            <a:endParaRPr sz="1000" b="1" dirty="0"/>
-          </a:p>
-          <a:p>
-            <a:pPr marL="457200" lvl="0" indent="-342900" algn="l" rtl="0">
-              <a:spcBef>
-                <a:spcPts val="0"/>
-              </a:spcBef>
-              <a:spcAft>
-                <a:spcPts val="0"/>
-              </a:spcAft>
-              <a:buSzPts val="1800"/>
-              <a:buChar char="●"/>
-            </a:pPr>
-            <a:r>
-              <a:rPr lang="en-GB" dirty="0"/>
-              <a:t>Devices also need to know if they should accept or reject each request depending on the identity of the sender </a:t>
-            </a:r>
-            <a:endParaRPr dirty="0"/>
-          </a:p>
-          <a:p>
-            <a:pPr marL="914400" lvl="1" indent="-317500" algn="l" rtl="0">
-              <a:spcBef>
-                <a:spcPts val="0"/>
-              </a:spcBef>
-              <a:spcAft>
-                <a:spcPts val="0"/>
-              </a:spcAft>
-              <a:buSzPts val="1400"/>
-              <a:buChar char="○"/>
-            </a:pPr>
-            <a:r>
-              <a:rPr lang="en-GB" b="1" dirty="0"/>
-              <a:t>Authorization</a:t>
-            </a:r>
-            <a:r>
-              <a:rPr lang="en-GB" dirty="0"/>
-              <a:t> </a:t>
-            </a:r>
-          </a:p>
-          <a:p>
-            <a:pPr marL="914400" lvl="1" indent="-317500" algn="l" rtl="0">
-              <a:spcBef>
-                <a:spcPts val="0"/>
-              </a:spcBef>
-              <a:spcAft>
-                <a:spcPts val="0"/>
-              </a:spcAft>
-              <a:buSzPts val="1400"/>
-              <a:buChar char="○"/>
-            </a:pPr>
-            <a:endParaRPr sz="800" dirty="0"/>
-          </a:p>
-          <a:p>
-            <a:pPr marL="457200" lvl="0" indent="-342900" algn="l" rtl="0">
-              <a:spcBef>
-                <a:spcPts val="0"/>
-              </a:spcBef>
-              <a:spcAft>
-                <a:spcPts val="0"/>
-              </a:spcAft>
-              <a:buSzPts val="1800"/>
-              <a:buChar char="●"/>
-            </a:pPr>
-            <a:r>
-              <a:rPr lang="en-GB" dirty="0"/>
-              <a:t>Encryption is like sending a postcard in an envelope, authentication is like sending that envelope via registered mail</a:t>
-            </a:r>
-            <a:endParaRPr dirty="0"/>
-          </a:p>
-          <a:p>
-            <a:pPr marL="914400" lvl="1" indent="-317500" algn="l" rtl="0">
-              <a:spcBef>
-                <a:spcPts val="0"/>
-              </a:spcBef>
-              <a:spcAft>
-                <a:spcPts val="0"/>
-              </a:spcAft>
-              <a:buSzPts val="1400"/>
-              <a:buChar char="○"/>
-            </a:pPr>
-            <a:r>
-              <a:rPr lang="en-GB" dirty="0"/>
-              <a:t>the postman will only deliver the letter to the correct recipient</a:t>
-            </a:r>
-          </a:p>
-          <a:p>
-            <a:pPr marL="914400" lvl="1" indent="-317500" algn="l" rtl="0">
-              <a:spcBef>
-                <a:spcPts val="0"/>
-              </a:spcBef>
-              <a:spcAft>
-                <a:spcPts val="0"/>
-              </a:spcAft>
-              <a:buSzPts val="1400"/>
-              <a:buChar char="○"/>
-            </a:pPr>
-            <a:endParaRPr sz="800" dirty="0"/>
-          </a:p>
-          <a:p>
-            <a:pPr marL="457200" lvl="0" indent="-342900" algn="l" rtl="0">
-              <a:spcBef>
-                <a:spcPts val="0"/>
-              </a:spcBef>
-              <a:spcAft>
-                <a:spcPts val="0"/>
-              </a:spcAft>
-              <a:buSzPts val="1800"/>
-              <a:buChar char="●"/>
-            </a:pPr>
-            <a:r>
-              <a:rPr lang="en-GB" b="1" dirty="0"/>
-              <a:t>Token-based authentication</a:t>
-            </a:r>
-            <a:endParaRPr b="1" dirty="0"/>
-          </a:p>
-          <a:p>
-            <a:pPr marL="914400" lvl="1" indent="-317500" algn="l" rtl="0">
-              <a:spcBef>
-                <a:spcPts val="0"/>
-              </a:spcBef>
-              <a:spcAft>
-                <a:spcPts val="0"/>
-              </a:spcAft>
-              <a:buSzPts val="1400"/>
-              <a:buChar char="○"/>
-            </a:pPr>
-            <a:r>
-              <a:rPr lang="en-GB" dirty="0"/>
-              <a:t>a secret token can be used to authenticate each request sent by that client</a:t>
-            </a:r>
-            <a:endParaRPr dirty="0"/>
-          </a:p>
-          <a:p>
-            <a:pPr marL="0" lvl="0" indent="0" algn="l" rtl="0">
               <a:spcBef>
                 <a:spcPts val="1600"/>
               </a:spcBef>
@@ -13858,6 +13673,26 @@
 </file>
 
 <file path=customXml/item1.xml><?xml version="1.0" encoding="utf-8"?>
+<p:properties xmlns:p="http://schemas.microsoft.com/office/2006/metadata/properties" xmlns:xsi="http://www.w3.org/2001/XMLSchema-instance" xmlns:pc="http://schemas.microsoft.com/office/infopath/2007/PartnerControls">
+  <documentManagement>
+    <TaxCatchAll xmlns="e9b5433c-2372-4cb7-8bab-09518096b29b" xsi:nil="true"/>
+    <lcf76f155ced4ddcb4097134ff3c332f xmlns="3bd0d43f-5e5b-43cd-b6fc-691bd77672c6">
+      <Terms xmlns="http://schemas.microsoft.com/office/infopath/2007/PartnerControls"/>
+    </lcf76f155ced4ddcb4097134ff3c332f>
+  </documentManagement>
+</p:properties>
+</file>
+
+<file path=customXml/item2.xml><?xml version="1.0" encoding="utf-8"?>
+<?mso-contentType ?>
+<FormTemplates xmlns="http://schemas.microsoft.com/sharepoint/v3/contenttype/forms">
+  <Display>DocumentLibraryForm</Display>
+  <Edit>DocumentLibraryForm</Edit>
+  <New>DocumentLibraryForm</New>
+</FormTemplates>
+</file>
+
+<file path=customXml/item3.xml><?xml version="1.0" encoding="utf-8"?>
 <ct:contentTypeSchema xmlns:ct="http://schemas.microsoft.com/office/2006/metadata/contentType" xmlns:ma="http://schemas.microsoft.com/office/2006/metadata/properties/metaAttributes" ct:_="" ma:_="" ma:contentTypeName="Documento" ma:contentTypeID="0x010100B8FA822B18A0634FB7342CF29752587A" ma:contentTypeVersion="13" ma:contentTypeDescription="Creare un nuovo documento." ma:contentTypeScope="" ma:versionID="5c5a1a1f66437ceed8e2102d49525b77">
   <xsd:schema xmlns:xsd="http://www.w3.org/2001/XMLSchema" xmlns:xs="http://www.w3.org/2001/XMLSchema" xmlns:p="http://schemas.microsoft.com/office/2006/metadata/properties" xmlns:ns2="3bd0d43f-5e5b-43cd-b6fc-691bd77672c6" xmlns:ns3="e9b5433c-2372-4cb7-8bab-09518096b29b" targetNamespace="http://schemas.microsoft.com/office/2006/metadata/properties" ma:root="true" ma:fieldsID="79bbaae61552c66980d55f32a6cab4b6" ns2:_="" ns3:_="">
     <xsd:import namespace="3bd0d43f-5e5b-43cd-b6fc-691bd77672c6"/>
@@ -14064,34 +13899,46 @@
 </ct:contentTypeSchema>
 </file>
 
-<file path=customXml/item2.xml><?xml version="1.0" encoding="utf-8"?>
-<?mso-contentType ?>
-<FormTemplates xmlns="http://schemas.microsoft.com/sharepoint/v3/contenttype/forms">
-  <Display>DocumentLibraryForm</Display>
-  <Edit>DocumentLibraryForm</Edit>
-  <New>DocumentLibraryForm</New>
-</FormTemplates>
-</file>
-
-<file path=customXml/item3.xml><?xml version="1.0" encoding="utf-8"?>
-<p:properties xmlns:p="http://schemas.microsoft.com/office/2006/metadata/properties" xmlns:xsi="http://www.w3.org/2001/XMLSchema-instance" xmlns:pc="http://schemas.microsoft.com/office/infopath/2007/PartnerControls">
-  <documentManagement>
-    <TaxCatchAll xmlns="e9b5433c-2372-4cb7-8bab-09518096b29b" xsi:nil="true"/>
-    <lcf76f155ced4ddcb4097134ff3c332f xmlns="3bd0d43f-5e5b-43cd-b6fc-691bd77672c6">
-      <Terms xmlns="http://schemas.microsoft.com/office/infopath/2007/PartnerControls"/>
-    </lcf76f155ced4ddcb4097134ff3c332f>
-  </documentManagement>
-</p:properties>
-</file>
-
 <file path=customXml/itemProps1.xml><?xml version="1.0" encoding="utf-8"?>
-<ds:datastoreItem xmlns:ds="http://schemas.openxmlformats.org/officeDocument/2006/customXml" ds:itemID="{E664597D-8444-4B11-8D4A-74CBB5D79F09}"/>
+<ds:datastoreItem xmlns:ds="http://schemas.openxmlformats.org/officeDocument/2006/customXml" ds:itemID="{B95ACB97-422E-4264-AAB1-C8533CABAED0}">
+  <ds:schemaRefs>
+    <ds:schemaRef ds:uri="http://schemas.microsoft.com/office/infopath/2007/PartnerControls"/>
+    <ds:schemaRef ds:uri="http://schemas.microsoft.com/office/2006/documentManagement/types"/>
+    <ds:schemaRef ds:uri="3bd0d43f-5e5b-43cd-b6fc-691bd77672c6"/>
+    <ds:schemaRef ds:uri="http://schemas.microsoft.com/office/2006/metadata/properties"/>
+    <ds:schemaRef ds:uri="http://www.w3.org/XML/1998/namespace"/>
+    <ds:schemaRef ds:uri="http://purl.org/dc/terms/"/>
+    <ds:schemaRef ds:uri="http://purl.org/dc/elements/1.1/"/>
+    <ds:schemaRef ds:uri="http://schemas.openxmlformats.org/package/2006/metadata/core-properties"/>
+    <ds:schemaRef ds:uri="e9b5433c-2372-4cb7-8bab-09518096b29b"/>
+    <ds:schemaRef ds:uri="http://purl.org/dc/dcmitype/"/>
+  </ds:schemaRefs>
+</ds:datastoreItem>
 </file>
 
 <file path=customXml/itemProps2.xml><?xml version="1.0" encoding="utf-8"?>
-<ds:datastoreItem xmlns:ds="http://schemas.openxmlformats.org/officeDocument/2006/customXml" ds:itemID="{06110F0E-EB05-41E2-8E70-E9A731BB7C43}"/>
+<ds:datastoreItem xmlns:ds="http://schemas.openxmlformats.org/officeDocument/2006/customXml" ds:itemID="{06110F0E-EB05-41E2-8E70-E9A731BB7C43}">
+  <ds:schemaRefs>
+    <ds:schemaRef ds:uri="http://schemas.microsoft.com/sharepoint/v3/contenttype/forms"/>
+  </ds:schemaRefs>
+</ds:datastoreItem>
 </file>
 
 <file path=customXml/itemProps3.xml><?xml version="1.0" encoding="utf-8"?>
-<ds:datastoreItem xmlns:ds="http://schemas.openxmlformats.org/officeDocument/2006/customXml" ds:itemID="{B95ACB97-422E-4264-AAB1-C8533CABAED0}"/>
+<ds:datastoreItem xmlns:ds="http://schemas.openxmlformats.org/officeDocument/2006/customXml" ds:itemID="{E664597D-8444-4B11-8D4A-74CBB5D79F09}">
+  <ds:schemaRefs>
+    <ds:schemaRef ds:uri="http://schemas.microsoft.com/office/2006/metadata/contentType"/>
+    <ds:schemaRef ds:uri="http://schemas.microsoft.com/office/2006/metadata/properties/metaAttributes"/>
+    <ds:schemaRef ds:uri="http://www.w3.org/2001/XMLSchema"/>
+    <ds:schemaRef ds:uri="http://schemas.microsoft.com/office/2006/metadata/properties"/>
+    <ds:schemaRef ds:uri="3bd0d43f-5e5b-43cd-b6fc-691bd77672c6"/>
+    <ds:schemaRef ds:uri="e9b5433c-2372-4cb7-8bab-09518096b29b"/>
+    <ds:schemaRef ds:uri="http://schemas.microsoft.com/office/2006/documentManagement/types"/>
+    <ds:schemaRef ds:uri="http://schemas.microsoft.com/office/infopath/2007/PartnerControls"/>
+    <ds:schemaRef ds:uri="http://schemas.openxmlformats.org/package/2006/metadata/core-properties"/>
+    <ds:schemaRef ds:uri="http://purl.org/dc/elements/1.1/"/>
+    <ds:schemaRef ds:uri="http://purl.org/dc/terms/"/>
+    <ds:schemaRef ds:uri="http://schemas.microsoft.com/internal/obd"/>
+  </ds:schemaRefs>
+</ds:datastoreItem>
 </file>